--- a/developer_meeting_notes/2015_12_08/meeting_agenda.pptx
+++ b/developer_meeting_notes/2015_12_08/meeting_agenda.pptx
@@ -9,12 +9,15 @@
     <p:sldId id="257" r:id="rId3"/>
     <p:sldId id="258" r:id="rId4"/>
     <p:sldId id="259" r:id="rId5"/>
-    <p:sldId id="263" r:id="rId6"/>
-    <p:sldId id="261" r:id="rId7"/>
-    <p:sldId id="265" r:id="rId8"/>
-    <p:sldId id="264" r:id="rId9"/>
-    <p:sldId id="266" r:id="rId10"/>
-    <p:sldId id="262" r:id="rId11"/>
+    <p:sldId id="267" r:id="rId6"/>
+    <p:sldId id="263" r:id="rId7"/>
+    <p:sldId id="269" r:id="rId8"/>
+    <p:sldId id="268" r:id="rId9"/>
+    <p:sldId id="261" r:id="rId10"/>
+    <p:sldId id="265" r:id="rId11"/>
+    <p:sldId id="264" r:id="rId12"/>
+    <p:sldId id="266" r:id="rId13"/>
+    <p:sldId id="262" r:id="rId14"/>
   </p:sldIdLst>
   <p:sldSz cx="9144000" cy="6858000" type="screen4x3"/>
   <p:notesSz cx="6858000" cy="9144000"/>
@@ -22,94 +25,124 @@
     <a:defPPr>
       <a:defRPr lang="en-US"/>
     </a:defPPr>
-    <a:lvl1pPr marL="0" algn="l" defTabSz="914400" rtl="0" eaLnBrk="1" latinLnBrk="0" hangingPunct="1">
-      <a:defRPr sz="1800" kern="1200">
+    <a:lvl1pPr algn="l" rtl="0" fontAlgn="base">
+      <a:spcBef>
+        <a:spcPct val="0"/>
+      </a:spcBef>
+      <a:spcAft>
+        <a:spcPct val="0"/>
+      </a:spcAft>
+      <a:defRPr kern="1200">
         <a:solidFill>
           <a:schemeClr val="tx1"/>
         </a:solidFill>
-        <a:latin typeface="+mn-lt"/>
+        <a:latin typeface="Arial" charset="0"/>
         <a:ea typeface="+mn-ea"/>
-        <a:cs typeface="+mn-cs"/>
+        <a:cs typeface="Arial" charset="0"/>
       </a:defRPr>
     </a:lvl1pPr>
-    <a:lvl2pPr marL="457200" algn="l" defTabSz="914400" rtl="0" eaLnBrk="1" latinLnBrk="0" hangingPunct="1">
-      <a:defRPr sz="1800" kern="1200">
+    <a:lvl2pPr marL="457200" algn="l" rtl="0" fontAlgn="base">
+      <a:spcBef>
+        <a:spcPct val="0"/>
+      </a:spcBef>
+      <a:spcAft>
+        <a:spcPct val="0"/>
+      </a:spcAft>
+      <a:defRPr kern="1200">
         <a:solidFill>
           <a:schemeClr val="tx1"/>
         </a:solidFill>
-        <a:latin typeface="+mn-lt"/>
+        <a:latin typeface="Arial" charset="0"/>
         <a:ea typeface="+mn-ea"/>
-        <a:cs typeface="+mn-cs"/>
+        <a:cs typeface="Arial" charset="0"/>
       </a:defRPr>
     </a:lvl2pPr>
-    <a:lvl3pPr marL="914400" algn="l" defTabSz="914400" rtl="0" eaLnBrk="1" latinLnBrk="0" hangingPunct="1">
-      <a:defRPr sz="1800" kern="1200">
+    <a:lvl3pPr marL="914400" algn="l" rtl="0" fontAlgn="base">
+      <a:spcBef>
+        <a:spcPct val="0"/>
+      </a:spcBef>
+      <a:spcAft>
+        <a:spcPct val="0"/>
+      </a:spcAft>
+      <a:defRPr kern="1200">
         <a:solidFill>
           <a:schemeClr val="tx1"/>
         </a:solidFill>
-        <a:latin typeface="+mn-lt"/>
+        <a:latin typeface="Arial" charset="0"/>
         <a:ea typeface="+mn-ea"/>
-        <a:cs typeface="+mn-cs"/>
+        <a:cs typeface="Arial" charset="0"/>
       </a:defRPr>
     </a:lvl3pPr>
-    <a:lvl4pPr marL="1371600" algn="l" defTabSz="914400" rtl="0" eaLnBrk="1" latinLnBrk="0" hangingPunct="1">
-      <a:defRPr sz="1800" kern="1200">
+    <a:lvl4pPr marL="1371600" algn="l" rtl="0" fontAlgn="base">
+      <a:spcBef>
+        <a:spcPct val="0"/>
+      </a:spcBef>
+      <a:spcAft>
+        <a:spcPct val="0"/>
+      </a:spcAft>
+      <a:defRPr kern="1200">
         <a:solidFill>
           <a:schemeClr val="tx1"/>
         </a:solidFill>
-        <a:latin typeface="+mn-lt"/>
+        <a:latin typeface="Arial" charset="0"/>
         <a:ea typeface="+mn-ea"/>
-        <a:cs typeface="+mn-cs"/>
+        <a:cs typeface="Arial" charset="0"/>
       </a:defRPr>
     </a:lvl4pPr>
-    <a:lvl5pPr marL="1828800" algn="l" defTabSz="914400" rtl="0" eaLnBrk="1" latinLnBrk="0" hangingPunct="1">
-      <a:defRPr sz="1800" kern="1200">
+    <a:lvl5pPr marL="1828800" algn="l" rtl="0" fontAlgn="base">
+      <a:spcBef>
+        <a:spcPct val="0"/>
+      </a:spcBef>
+      <a:spcAft>
+        <a:spcPct val="0"/>
+      </a:spcAft>
+      <a:defRPr kern="1200">
         <a:solidFill>
           <a:schemeClr val="tx1"/>
         </a:solidFill>
-        <a:latin typeface="+mn-lt"/>
+        <a:latin typeface="Arial" charset="0"/>
         <a:ea typeface="+mn-ea"/>
-        <a:cs typeface="+mn-cs"/>
+        <a:cs typeface="Arial" charset="0"/>
       </a:defRPr>
     </a:lvl5pPr>
     <a:lvl6pPr marL="2286000" algn="l" defTabSz="914400" rtl="0" eaLnBrk="1" latinLnBrk="0" hangingPunct="1">
-      <a:defRPr sz="1800" kern="1200">
+      <a:defRPr kern="1200">
         <a:solidFill>
           <a:schemeClr val="tx1"/>
         </a:solidFill>
-        <a:latin typeface="+mn-lt"/>
+        <a:latin typeface="Arial" charset="0"/>
         <a:ea typeface="+mn-ea"/>
-        <a:cs typeface="+mn-cs"/>
+        <a:cs typeface="Arial" charset="0"/>
       </a:defRPr>
     </a:lvl6pPr>
     <a:lvl7pPr marL="2743200" algn="l" defTabSz="914400" rtl="0" eaLnBrk="1" latinLnBrk="0" hangingPunct="1">
-      <a:defRPr sz="1800" kern="1200">
+      <a:defRPr kern="1200">
         <a:solidFill>
           <a:schemeClr val="tx1"/>
         </a:solidFill>
-        <a:latin typeface="+mn-lt"/>
+        <a:latin typeface="Arial" charset="0"/>
         <a:ea typeface="+mn-ea"/>
-        <a:cs typeface="+mn-cs"/>
+        <a:cs typeface="Arial" charset="0"/>
       </a:defRPr>
     </a:lvl7pPr>
     <a:lvl8pPr marL="3200400" algn="l" defTabSz="914400" rtl="0" eaLnBrk="1" latinLnBrk="0" hangingPunct="1">
-      <a:defRPr sz="1800" kern="1200">
+      <a:defRPr kern="1200">
         <a:solidFill>
           <a:schemeClr val="tx1"/>
         </a:solidFill>
-        <a:latin typeface="+mn-lt"/>
+        <a:latin typeface="Arial" charset="0"/>
         <a:ea typeface="+mn-ea"/>
-        <a:cs typeface="+mn-cs"/>
+        <a:cs typeface="Arial" charset="0"/>
       </a:defRPr>
     </a:lvl8pPr>
     <a:lvl9pPr marL="3657600" algn="l" defTabSz="914400" rtl="0" eaLnBrk="1" latinLnBrk="0" hangingPunct="1">
-      <a:defRPr sz="1800" kern="1200">
+      <a:defRPr kern="1200">
         <a:solidFill>
           <a:schemeClr val="tx1"/>
         </a:solidFill>
-        <a:latin typeface="+mn-lt"/>
+        <a:latin typeface="Arial" charset="0"/>
         <a:ea typeface="+mn-ea"/>
-        <a:cs typeface="+mn-cs"/>
+        <a:cs typeface="Arial" charset="0"/>
       </a:defRPr>
     </a:lvl9pPr>
   </p:defaultTextStyle>
@@ -293,12 +326,21 @@
         <p:spPr/>
         <p:txBody>
           <a:bodyPr/>
-          <a:lstStyle/>
-          <a:p>
-            <a:fld id="{EBC3448F-B956-4440-A21F-0A370EED3FCB}" type="datetimeFigureOut">
-              <a:rPr lang="en-US" smtClean="0"/>
-              <a:pPr/>
-              <a:t>12/3/2015</a:t>
+          <a:lstStyle>
+            <a:lvl1pPr>
+              <a:defRPr/>
+            </a:lvl1pPr>
+          </a:lstStyle>
+          <a:p>
+            <a:pPr>
+              <a:defRPr/>
+            </a:pPr>
+            <a:fld id="{2F0C4DE3-A54D-46C2-A87B-7DD033A5D5FB}" type="datetimeFigureOut">
+              <a:rPr lang="en-US"/>
+              <a:pPr>
+                <a:defRPr/>
+              </a:pPr>
+              <a:t>1/6/2016</a:t>
             </a:fld>
             <a:endParaRPr lang="en-US"/>
           </a:p>
@@ -317,8 +359,15 @@
         <p:spPr/>
         <p:txBody>
           <a:bodyPr/>
-          <a:lstStyle/>
-          <a:p>
+          <a:lstStyle>
+            <a:lvl1pPr>
+              <a:defRPr/>
+            </a:lvl1pPr>
+          </a:lstStyle>
+          <a:p>
+            <a:pPr>
+              <a:defRPr/>
+            </a:pPr>
             <a:endParaRPr lang="en-US"/>
           </a:p>
         </p:txBody>
@@ -336,11 +385,20 @@
         <p:spPr/>
         <p:txBody>
           <a:bodyPr/>
-          <a:lstStyle/>
-          <a:p>
-            <a:fld id="{26C7AB76-AEA6-49F6-B02F-4525FE0621ED}" type="slidenum">
-              <a:rPr lang="en-US" smtClean="0"/>
-              <a:pPr/>
+          <a:lstStyle>
+            <a:lvl1pPr>
+              <a:defRPr/>
+            </a:lvl1pPr>
+          </a:lstStyle>
+          <a:p>
+            <a:pPr>
+              <a:defRPr/>
+            </a:pPr>
+            <a:fld id="{D25D8FDC-B157-404A-9202-B9F115611C47}" type="slidenum">
+              <a:rPr lang="en-US"/>
+              <a:pPr>
+                <a:defRPr/>
+              </a:pPr>
               <a:t>‹#›</a:t>
             </a:fld>
             <a:endParaRPr lang="en-US"/>
@@ -348,6 +406,11 @@
         </p:txBody>
       </p:sp>
     </p:spTree>
+    <p:extLst>
+      <p:ext uri="{BB962C8B-B14F-4D97-AF65-F5344CB8AC3E}">
+        <p14:creationId xmlns:p14="http://schemas.microsoft.com/office/powerpoint/2010/main" val="2082963193"/>
+      </p:ext>
+    </p:extLst>
   </p:cSld>
   <p:clrMapOvr>
     <a:masterClrMapping/>
@@ -460,12 +523,21 @@
         <p:spPr/>
         <p:txBody>
           <a:bodyPr/>
-          <a:lstStyle/>
-          <a:p>
-            <a:fld id="{EBC3448F-B956-4440-A21F-0A370EED3FCB}" type="datetimeFigureOut">
-              <a:rPr lang="en-US" smtClean="0"/>
-              <a:pPr/>
-              <a:t>12/3/2015</a:t>
+          <a:lstStyle>
+            <a:lvl1pPr>
+              <a:defRPr/>
+            </a:lvl1pPr>
+          </a:lstStyle>
+          <a:p>
+            <a:pPr>
+              <a:defRPr/>
+            </a:pPr>
+            <a:fld id="{E366CBEB-71A5-457F-AEF1-51DB3C8A7146}" type="datetimeFigureOut">
+              <a:rPr lang="en-US"/>
+              <a:pPr>
+                <a:defRPr/>
+              </a:pPr>
+              <a:t>1/6/2016</a:t>
             </a:fld>
             <a:endParaRPr lang="en-US"/>
           </a:p>
@@ -484,8 +556,15 @@
         <p:spPr/>
         <p:txBody>
           <a:bodyPr/>
-          <a:lstStyle/>
-          <a:p>
+          <a:lstStyle>
+            <a:lvl1pPr>
+              <a:defRPr/>
+            </a:lvl1pPr>
+          </a:lstStyle>
+          <a:p>
+            <a:pPr>
+              <a:defRPr/>
+            </a:pPr>
             <a:endParaRPr lang="en-US"/>
           </a:p>
         </p:txBody>
@@ -503,11 +582,20 @@
         <p:spPr/>
         <p:txBody>
           <a:bodyPr/>
-          <a:lstStyle/>
-          <a:p>
-            <a:fld id="{26C7AB76-AEA6-49F6-B02F-4525FE0621ED}" type="slidenum">
-              <a:rPr lang="en-US" smtClean="0"/>
-              <a:pPr/>
+          <a:lstStyle>
+            <a:lvl1pPr>
+              <a:defRPr/>
+            </a:lvl1pPr>
+          </a:lstStyle>
+          <a:p>
+            <a:pPr>
+              <a:defRPr/>
+            </a:pPr>
+            <a:fld id="{0176B7DC-A7A3-4DBE-9DCA-FAE72C7A5703}" type="slidenum">
+              <a:rPr lang="en-US"/>
+              <a:pPr>
+                <a:defRPr/>
+              </a:pPr>
               <a:t>‹#›</a:t>
             </a:fld>
             <a:endParaRPr lang="en-US"/>
@@ -515,6 +603,11 @@
         </p:txBody>
       </p:sp>
     </p:spTree>
+    <p:extLst>
+      <p:ext uri="{BB962C8B-B14F-4D97-AF65-F5344CB8AC3E}">
+        <p14:creationId xmlns:p14="http://schemas.microsoft.com/office/powerpoint/2010/main" val="2662390788"/>
+      </p:ext>
+    </p:extLst>
   </p:cSld>
   <p:clrMapOvr>
     <a:masterClrMapping/>
@@ -637,12 +730,21 @@
         <p:spPr/>
         <p:txBody>
           <a:bodyPr/>
-          <a:lstStyle/>
-          <a:p>
-            <a:fld id="{EBC3448F-B956-4440-A21F-0A370EED3FCB}" type="datetimeFigureOut">
-              <a:rPr lang="en-US" smtClean="0"/>
-              <a:pPr/>
-              <a:t>12/3/2015</a:t>
+          <a:lstStyle>
+            <a:lvl1pPr>
+              <a:defRPr/>
+            </a:lvl1pPr>
+          </a:lstStyle>
+          <a:p>
+            <a:pPr>
+              <a:defRPr/>
+            </a:pPr>
+            <a:fld id="{1893BC15-AC57-4789-B544-1840BE5C03BB}" type="datetimeFigureOut">
+              <a:rPr lang="en-US"/>
+              <a:pPr>
+                <a:defRPr/>
+              </a:pPr>
+              <a:t>1/6/2016</a:t>
             </a:fld>
             <a:endParaRPr lang="en-US"/>
           </a:p>
@@ -661,8 +763,15 @@
         <p:spPr/>
         <p:txBody>
           <a:bodyPr/>
-          <a:lstStyle/>
-          <a:p>
+          <a:lstStyle>
+            <a:lvl1pPr>
+              <a:defRPr/>
+            </a:lvl1pPr>
+          </a:lstStyle>
+          <a:p>
+            <a:pPr>
+              <a:defRPr/>
+            </a:pPr>
             <a:endParaRPr lang="en-US"/>
           </a:p>
         </p:txBody>
@@ -680,11 +789,20 @@
         <p:spPr/>
         <p:txBody>
           <a:bodyPr/>
-          <a:lstStyle/>
-          <a:p>
-            <a:fld id="{26C7AB76-AEA6-49F6-B02F-4525FE0621ED}" type="slidenum">
-              <a:rPr lang="en-US" smtClean="0"/>
-              <a:pPr/>
+          <a:lstStyle>
+            <a:lvl1pPr>
+              <a:defRPr/>
+            </a:lvl1pPr>
+          </a:lstStyle>
+          <a:p>
+            <a:pPr>
+              <a:defRPr/>
+            </a:pPr>
+            <a:fld id="{8ED38E5F-BB1E-4CAA-A137-A6E76785FA63}" type="slidenum">
+              <a:rPr lang="en-US"/>
+              <a:pPr>
+                <a:defRPr/>
+              </a:pPr>
               <a:t>‹#›</a:t>
             </a:fld>
             <a:endParaRPr lang="en-US"/>
@@ -692,6 +810,11 @@
         </p:txBody>
       </p:sp>
     </p:spTree>
+    <p:extLst>
+      <p:ext uri="{BB962C8B-B14F-4D97-AF65-F5344CB8AC3E}">
+        <p14:creationId xmlns:p14="http://schemas.microsoft.com/office/powerpoint/2010/main" val="1878339906"/>
+      </p:ext>
+    </p:extLst>
   </p:cSld>
   <p:clrMapOvr>
     <a:masterClrMapping/>
@@ -804,12 +927,21 @@
         <p:spPr/>
         <p:txBody>
           <a:bodyPr/>
-          <a:lstStyle/>
-          <a:p>
-            <a:fld id="{EBC3448F-B956-4440-A21F-0A370EED3FCB}" type="datetimeFigureOut">
-              <a:rPr lang="en-US" smtClean="0"/>
-              <a:pPr/>
-              <a:t>12/3/2015</a:t>
+          <a:lstStyle>
+            <a:lvl1pPr>
+              <a:defRPr/>
+            </a:lvl1pPr>
+          </a:lstStyle>
+          <a:p>
+            <a:pPr>
+              <a:defRPr/>
+            </a:pPr>
+            <a:fld id="{6DE3DBA1-02CA-4256-989F-B057C745C5D3}" type="datetimeFigureOut">
+              <a:rPr lang="en-US"/>
+              <a:pPr>
+                <a:defRPr/>
+              </a:pPr>
+              <a:t>1/6/2016</a:t>
             </a:fld>
             <a:endParaRPr lang="en-US"/>
           </a:p>
@@ -828,8 +960,15 @@
         <p:spPr/>
         <p:txBody>
           <a:bodyPr/>
-          <a:lstStyle/>
-          <a:p>
+          <a:lstStyle>
+            <a:lvl1pPr>
+              <a:defRPr/>
+            </a:lvl1pPr>
+          </a:lstStyle>
+          <a:p>
+            <a:pPr>
+              <a:defRPr/>
+            </a:pPr>
             <a:endParaRPr lang="en-US"/>
           </a:p>
         </p:txBody>
@@ -847,11 +986,20 @@
         <p:spPr/>
         <p:txBody>
           <a:bodyPr/>
-          <a:lstStyle/>
-          <a:p>
-            <a:fld id="{26C7AB76-AEA6-49F6-B02F-4525FE0621ED}" type="slidenum">
-              <a:rPr lang="en-US" smtClean="0"/>
-              <a:pPr/>
+          <a:lstStyle>
+            <a:lvl1pPr>
+              <a:defRPr/>
+            </a:lvl1pPr>
+          </a:lstStyle>
+          <a:p>
+            <a:pPr>
+              <a:defRPr/>
+            </a:pPr>
+            <a:fld id="{FEAE4740-E7C3-4C47-A708-25D63ED0FBD8}" type="slidenum">
+              <a:rPr lang="en-US"/>
+              <a:pPr>
+                <a:defRPr/>
+              </a:pPr>
               <a:t>‹#›</a:t>
             </a:fld>
             <a:endParaRPr lang="en-US"/>
@@ -859,6 +1007,11 @@
         </p:txBody>
       </p:sp>
     </p:spTree>
+    <p:extLst>
+      <p:ext uri="{BB962C8B-B14F-4D97-AF65-F5344CB8AC3E}">
+        <p14:creationId xmlns:p14="http://schemas.microsoft.com/office/powerpoint/2010/main" val="53917149"/>
+      </p:ext>
+    </p:extLst>
   </p:cSld>
   <p:clrMapOvr>
     <a:masterClrMapping/>
@@ -1047,12 +1200,21 @@
         <p:spPr/>
         <p:txBody>
           <a:bodyPr/>
-          <a:lstStyle/>
-          <a:p>
-            <a:fld id="{EBC3448F-B956-4440-A21F-0A370EED3FCB}" type="datetimeFigureOut">
-              <a:rPr lang="en-US" smtClean="0"/>
-              <a:pPr/>
-              <a:t>12/3/2015</a:t>
+          <a:lstStyle>
+            <a:lvl1pPr>
+              <a:defRPr/>
+            </a:lvl1pPr>
+          </a:lstStyle>
+          <a:p>
+            <a:pPr>
+              <a:defRPr/>
+            </a:pPr>
+            <a:fld id="{45A4971E-AEAB-4906-A3CD-D56CB7093838}" type="datetimeFigureOut">
+              <a:rPr lang="en-US"/>
+              <a:pPr>
+                <a:defRPr/>
+              </a:pPr>
+              <a:t>1/6/2016</a:t>
             </a:fld>
             <a:endParaRPr lang="en-US"/>
           </a:p>
@@ -1071,8 +1233,15 @@
         <p:spPr/>
         <p:txBody>
           <a:bodyPr/>
-          <a:lstStyle/>
-          <a:p>
+          <a:lstStyle>
+            <a:lvl1pPr>
+              <a:defRPr/>
+            </a:lvl1pPr>
+          </a:lstStyle>
+          <a:p>
+            <a:pPr>
+              <a:defRPr/>
+            </a:pPr>
             <a:endParaRPr lang="en-US"/>
           </a:p>
         </p:txBody>
@@ -1090,11 +1259,20 @@
         <p:spPr/>
         <p:txBody>
           <a:bodyPr/>
-          <a:lstStyle/>
-          <a:p>
-            <a:fld id="{26C7AB76-AEA6-49F6-B02F-4525FE0621ED}" type="slidenum">
-              <a:rPr lang="en-US" smtClean="0"/>
-              <a:pPr/>
+          <a:lstStyle>
+            <a:lvl1pPr>
+              <a:defRPr/>
+            </a:lvl1pPr>
+          </a:lstStyle>
+          <a:p>
+            <a:pPr>
+              <a:defRPr/>
+            </a:pPr>
+            <a:fld id="{33ABEE12-860F-4405-BCCF-0EFC965F607A}" type="slidenum">
+              <a:rPr lang="en-US"/>
+              <a:pPr>
+                <a:defRPr/>
+              </a:pPr>
               <a:t>‹#›</a:t>
             </a:fld>
             <a:endParaRPr lang="en-US"/>
@@ -1102,6 +1280,11 @@
         </p:txBody>
       </p:sp>
     </p:spTree>
+    <p:extLst>
+      <p:ext uri="{BB962C8B-B14F-4D97-AF65-F5344CB8AC3E}">
+        <p14:creationId xmlns:p14="http://schemas.microsoft.com/office/powerpoint/2010/main" val="900025177"/>
+      </p:ext>
+    </p:extLst>
   </p:cSld>
   <p:clrMapOvr>
     <a:masterClrMapping/>
@@ -1321,7 +1504,7 @@
       </p:sp>
       <p:sp>
         <p:nvSpPr>
-          <p:cNvPr id="5" name="Date Placeholder 4"/>
+          <p:cNvPr id="5" name="Date Placeholder 3"/>
           <p:cNvSpPr>
             <a:spLocks noGrp="1"/>
           </p:cNvSpPr>
@@ -1332,12 +1515,21 @@
         <p:spPr/>
         <p:txBody>
           <a:bodyPr/>
-          <a:lstStyle/>
-          <a:p>
-            <a:fld id="{EBC3448F-B956-4440-A21F-0A370EED3FCB}" type="datetimeFigureOut">
-              <a:rPr lang="en-US" smtClean="0"/>
-              <a:pPr/>
-              <a:t>12/3/2015</a:t>
+          <a:lstStyle>
+            <a:lvl1pPr>
+              <a:defRPr/>
+            </a:lvl1pPr>
+          </a:lstStyle>
+          <a:p>
+            <a:pPr>
+              <a:defRPr/>
+            </a:pPr>
+            <a:fld id="{C781E596-C7C0-41DB-BB62-52FFE66F2127}" type="datetimeFigureOut">
+              <a:rPr lang="en-US"/>
+              <a:pPr>
+                <a:defRPr/>
+              </a:pPr>
+              <a:t>1/6/2016</a:t>
             </a:fld>
             <a:endParaRPr lang="en-US"/>
           </a:p>
@@ -1345,7 +1537,7 @@
       </p:sp>
       <p:sp>
         <p:nvSpPr>
-          <p:cNvPr id="6" name="Footer Placeholder 5"/>
+          <p:cNvPr id="6" name="Footer Placeholder 4"/>
           <p:cNvSpPr>
             <a:spLocks noGrp="1"/>
           </p:cNvSpPr>
@@ -1356,15 +1548,22 @@
         <p:spPr/>
         <p:txBody>
           <a:bodyPr/>
-          <a:lstStyle/>
-          <a:p>
+          <a:lstStyle>
+            <a:lvl1pPr>
+              <a:defRPr/>
+            </a:lvl1pPr>
+          </a:lstStyle>
+          <a:p>
+            <a:pPr>
+              <a:defRPr/>
+            </a:pPr>
             <a:endParaRPr lang="en-US"/>
           </a:p>
         </p:txBody>
       </p:sp>
       <p:sp>
         <p:nvSpPr>
-          <p:cNvPr id="7" name="Slide Number Placeholder 6"/>
+          <p:cNvPr id="7" name="Slide Number Placeholder 5"/>
           <p:cNvSpPr>
             <a:spLocks noGrp="1"/>
           </p:cNvSpPr>
@@ -1375,11 +1574,20 @@
         <p:spPr/>
         <p:txBody>
           <a:bodyPr/>
-          <a:lstStyle/>
-          <a:p>
-            <a:fld id="{26C7AB76-AEA6-49F6-B02F-4525FE0621ED}" type="slidenum">
-              <a:rPr lang="en-US" smtClean="0"/>
-              <a:pPr/>
+          <a:lstStyle>
+            <a:lvl1pPr>
+              <a:defRPr/>
+            </a:lvl1pPr>
+          </a:lstStyle>
+          <a:p>
+            <a:pPr>
+              <a:defRPr/>
+            </a:pPr>
+            <a:fld id="{A7418B0F-85E8-40DC-9004-73D33580EAC6}" type="slidenum">
+              <a:rPr lang="en-US"/>
+              <a:pPr>
+                <a:defRPr/>
+              </a:pPr>
               <a:t>‹#›</a:t>
             </a:fld>
             <a:endParaRPr lang="en-US"/>
@@ -1387,6 +1595,11 @@
         </p:txBody>
       </p:sp>
     </p:spTree>
+    <p:extLst>
+      <p:ext uri="{BB962C8B-B14F-4D97-AF65-F5344CB8AC3E}">
+        <p14:creationId xmlns:p14="http://schemas.microsoft.com/office/powerpoint/2010/main" val="2670803758"/>
+      </p:ext>
+    </p:extLst>
   </p:cSld>
   <p:clrMapOvr>
     <a:masterClrMapping/>
@@ -1740,7 +1953,7 @@
       </p:sp>
       <p:sp>
         <p:nvSpPr>
-          <p:cNvPr id="7" name="Date Placeholder 6"/>
+          <p:cNvPr id="7" name="Date Placeholder 3"/>
           <p:cNvSpPr>
             <a:spLocks noGrp="1"/>
           </p:cNvSpPr>
@@ -1751,12 +1964,21 @@
         <p:spPr/>
         <p:txBody>
           <a:bodyPr/>
-          <a:lstStyle/>
-          <a:p>
-            <a:fld id="{EBC3448F-B956-4440-A21F-0A370EED3FCB}" type="datetimeFigureOut">
-              <a:rPr lang="en-US" smtClean="0"/>
-              <a:pPr/>
-              <a:t>12/3/2015</a:t>
+          <a:lstStyle>
+            <a:lvl1pPr>
+              <a:defRPr/>
+            </a:lvl1pPr>
+          </a:lstStyle>
+          <a:p>
+            <a:pPr>
+              <a:defRPr/>
+            </a:pPr>
+            <a:fld id="{A7163505-DDDE-4C49-B6B1-493B79E8A454}" type="datetimeFigureOut">
+              <a:rPr lang="en-US"/>
+              <a:pPr>
+                <a:defRPr/>
+              </a:pPr>
+              <a:t>1/6/2016</a:t>
             </a:fld>
             <a:endParaRPr lang="en-US"/>
           </a:p>
@@ -1764,7 +1986,7 @@
       </p:sp>
       <p:sp>
         <p:nvSpPr>
-          <p:cNvPr id="8" name="Footer Placeholder 7"/>
+          <p:cNvPr id="8" name="Footer Placeholder 4"/>
           <p:cNvSpPr>
             <a:spLocks noGrp="1"/>
           </p:cNvSpPr>
@@ -1775,15 +1997,22 @@
         <p:spPr/>
         <p:txBody>
           <a:bodyPr/>
-          <a:lstStyle/>
-          <a:p>
+          <a:lstStyle>
+            <a:lvl1pPr>
+              <a:defRPr/>
+            </a:lvl1pPr>
+          </a:lstStyle>
+          <a:p>
+            <a:pPr>
+              <a:defRPr/>
+            </a:pPr>
             <a:endParaRPr lang="en-US"/>
           </a:p>
         </p:txBody>
       </p:sp>
       <p:sp>
         <p:nvSpPr>
-          <p:cNvPr id="9" name="Slide Number Placeholder 8"/>
+          <p:cNvPr id="9" name="Slide Number Placeholder 5"/>
           <p:cNvSpPr>
             <a:spLocks noGrp="1"/>
           </p:cNvSpPr>
@@ -1794,11 +2023,20 @@
         <p:spPr/>
         <p:txBody>
           <a:bodyPr/>
-          <a:lstStyle/>
-          <a:p>
-            <a:fld id="{26C7AB76-AEA6-49F6-B02F-4525FE0621ED}" type="slidenum">
-              <a:rPr lang="en-US" smtClean="0"/>
-              <a:pPr/>
+          <a:lstStyle>
+            <a:lvl1pPr>
+              <a:defRPr/>
+            </a:lvl1pPr>
+          </a:lstStyle>
+          <a:p>
+            <a:pPr>
+              <a:defRPr/>
+            </a:pPr>
+            <a:fld id="{D8D44374-2204-4822-9A87-3CC112196AA9}" type="slidenum">
+              <a:rPr lang="en-US"/>
+              <a:pPr>
+                <a:defRPr/>
+              </a:pPr>
               <a:t>‹#›</a:t>
             </a:fld>
             <a:endParaRPr lang="en-US"/>
@@ -1806,6 +2044,11 @@
         </p:txBody>
       </p:sp>
     </p:spTree>
+    <p:extLst>
+      <p:ext uri="{BB962C8B-B14F-4D97-AF65-F5344CB8AC3E}">
+        <p14:creationId xmlns:p14="http://schemas.microsoft.com/office/powerpoint/2010/main" val="3469678375"/>
+      </p:ext>
+    </p:extLst>
   </p:cSld>
   <p:clrMapOvr>
     <a:masterClrMapping/>
@@ -1855,7 +2098,7 @@
       </p:sp>
       <p:sp>
         <p:nvSpPr>
-          <p:cNvPr id="3" name="Date Placeholder 2"/>
+          <p:cNvPr id="3" name="Date Placeholder 3"/>
           <p:cNvSpPr>
             <a:spLocks noGrp="1"/>
           </p:cNvSpPr>
@@ -1866,12 +2109,21 @@
         <p:spPr/>
         <p:txBody>
           <a:bodyPr/>
-          <a:lstStyle/>
-          <a:p>
-            <a:fld id="{EBC3448F-B956-4440-A21F-0A370EED3FCB}" type="datetimeFigureOut">
-              <a:rPr lang="en-US" smtClean="0"/>
-              <a:pPr/>
-              <a:t>12/3/2015</a:t>
+          <a:lstStyle>
+            <a:lvl1pPr>
+              <a:defRPr/>
+            </a:lvl1pPr>
+          </a:lstStyle>
+          <a:p>
+            <a:pPr>
+              <a:defRPr/>
+            </a:pPr>
+            <a:fld id="{27F9BFA9-5EFE-4CA4-87D4-E1A4311D48F7}" type="datetimeFigureOut">
+              <a:rPr lang="en-US"/>
+              <a:pPr>
+                <a:defRPr/>
+              </a:pPr>
+              <a:t>1/6/2016</a:t>
             </a:fld>
             <a:endParaRPr lang="en-US"/>
           </a:p>
@@ -1879,7 +2131,7 @@
       </p:sp>
       <p:sp>
         <p:nvSpPr>
-          <p:cNvPr id="4" name="Footer Placeholder 3"/>
+          <p:cNvPr id="4" name="Footer Placeholder 4"/>
           <p:cNvSpPr>
             <a:spLocks noGrp="1"/>
           </p:cNvSpPr>
@@ -1890,15 +2142,22 @@
         <p:spPr/>
         <p:txBody>
           <a:bodyPr/>
-          <a:lstStyle/>
-          <a:p>
+          <a:lstStyle>
+            <a:lvl1pPr>
+              <a:defRPr/>
+            </a:lvl1pPr>
+          </a:lstStyle>
+          <a:p>
+            <a:pPr>
+              <a:defRPr/>
+            </a:pPr>
             <a:endParaRPr lang="en-US"/>
           </a:p>
         </p:txBody>
       </p:sp>
       <p:sp>
         <p:nvSpPr>
-          <p:cNvPr id="5" name="Slide Number Placeholder 4"/>
+          <p:cNvPr id="5" name="Slide Number Placeholder 5"/>
           <p:cNvSpPr>
             <a:spLocks noGrp="1"/>
           </p:cNvSpPr>
@@ -1909,11 +2168,20 @@
         <p:spPr/>
         <p:txBody>
           <a:bodyPr/>
-          <a:lstStyle/>
-          <a:p>
-            <a:fld id="{26C7AB76-AEA6-49F6-B02F-4525FE0621ED}" type="slidenum">
-              <a:rPr lang="en-US" smtClean="0"/>
-              <a:pPr/>
+          <a:lstStyle>
+            <a:lvl1pPr>
+              <a:defRPr/>
+            </a:lvl1pPr>
+          </a:lstStyle>
+          <a:p>
+            <a:pPr>
+              <a:defRPr/>
+            </a:pPr>
+            <a:fld id="{D8D563BF-7BEA-421C-9397-B9378B718266}" type="slidenum">
+              <a:rPr lang="en-US"/>
+              <a:pPr>
+                <a:defRPr/>
+              </a:pPr>
               <a:t>‹#›</a:t>
             </a:fld>
             <a:endParaRPr lang="en-US"/>
@@ -1921,6 +2189,11 @@
         </p:txBody>
       </p:sp>
     </p:spTree>
+    <p:extLst>
+      <p:ext uri="{BB962C8B-B14F-4D97-AF65-F5344CB8AC3E}">
+        <p14:creationId xmlns:p14="http://schemas.microsoft.com/office/powerpoint/2010/main" val="3745430503"/>
+      </p:ext>
+    </p:extLst>
   </p:cSld>
   <p:clrMapOvr>
     <a:masterClrMapping/>
@@ -1947,7 +2220,7 @@
       </p:grpSpPr>
       <p:sp>
         <p:nvSpPr>
-          <p:cNvPr id="2" name="Date Placeholder 1"/>
+          <p:cNvPr id="2" name="Date Placeholder 3"/>
           <p:cNvSpPr>
             <a:spLocks noGrp="1"/>
           </p:cNvSpPr>
@@ -1958,12 +2231,21 @@
         <p:spPr/>
         <p:txBody>
           <a:bodyPr/>
-          <a:lstStyle/>
-          <a:p>
-            <a:fld id="{EBC3448F-B956-4440-A21F-0A370EED3FCB}" type="datetimeFigureOut">
-              <a:rPr lang="en-US" smtClean="0"/>
-              <a:pPr/>
-              <a:t>12/3/2015</a:t>
+          <a:lstStyle>
+            <a:lvl1pPr>
+              <a:defRPr/>
+            </a:lvl1pPr>
+          </a:lstStyle>
+          <a:p>
+            <a:pPr>
+              <a:defRPr/>
+            </a:pPr>
+            <a:fld id="{D6053DEE-1240-43C4-A6AA-A23B06DE8C43}" type="datetimeFigureOut">
+              <a:rPr lang="en-US"/>
+              <a:pPr>
+                <a:defRPr/>
+              </a:pPr>
+              <a:t>1/6/2016</a:t>
             </a:fld>
             <a:endParaRPr lang="en-US"/>
           </a:p>
@@ -1971,7 +2253,7 @@
       </p:sp>
       <p:sp>
         <p:nvSpPr>
-          <p:cNvPr id="3" name="Footer Placeholder 2"/>
+          <p:cNvPr id="3" name="Footer Placeholder 4"/>
           <p:cNvSpPr>
             <a:spLocks noGrp="1"/>
           </p:cNvSpPr>
@@ -1982,15 +2264,22 @@
         <p:spPr/>
         <p:txBody>
           <a:bodyPr/>
-          <a:lstStyle/>
-          <a:p>
+          <a:lstStyle>
+            <a:lvl1pPr>
+              <a:defRPr/>
+            </a:lvl1pPr>
+          </a:lstStyle>
+          <a:p>
+            <a:pPr>
+              <a:defRPr/>
+            </a:pPr>
             <a:endParaRPr lang="en-US"/>
           </a:p>
         </p:txBody>
       </p:sp>
       <p:sp>
         <p:nvSpPr>
-          <p:cNvPr id="4" name="Slide Number Placeholder 3"/>
+          <p:cNvPr id="4" name="Slide Number Placeholder 5"/>
           <p:cNvSpPr>
             <a:spLocks noGrp="1"/>
           </p:cNvSpPr>
@@ -2001,11 +2290,20 @@
         <p:spPr/>
         <p:txBody>
           <a:bodyPr/>
-          <a:lstStyle/>
-          <a:p>
-            <a:fld id="{26C7AB76-AEA6-49F6-B02F-4525FE0621ED}" type="slidenum">
-              <a:rPr lang="en-US" smtClean="0"/>
-              <a:pPr/>
+          <a:lstStyle>
+            <a:lvl1pPr>
+              <a:defRPr/>
+            </a:lvl1pPr>
+          </a:lstStyle>
+          <a:p>
+            <a:pPr>
+              <a:defRPr/>
+            </a:pPr>
+            <a:fld id="{B6386B24-E00A-4D70-BBB2-6DCCA0A974AB}" type="slidenum">
+              <a:rPr lang="en-US"/>
+              <a:pPr>
+                <a:defRPr/>
+              </a:pPr>
               <a:t>‹#›</a:t>
             </a:fld>
             <a:endParaRPr lang="en-US"/>
@@ -2013,6 +2311,11 @@
         </p:txBody>
       </p:sp>
     </p:spTree>
+    <p:extLst>
+      <p:ext uri="{BB962C8B-B14F-4D97-AF65-F5344CB8AC3E}">
+        <p14:creationId xmlns:p14="http://schemas.microsoft.com/office/powerpoint/2010/main" val="3610753807"/>
+      </p:ext>
+    </p:extLst>
   </p:cSld>
   <p:clrMapOvr>
     <a:masterClrMapping/>
@@ -2221,7 +2524,7 @@
       </p:sp>
       <p:sp>
         <p:nvSpPr>
-          <p:cNvPr id="5" name="Date Placeholder 4"/>
+          <p:cNvPr id="5" name="Date Placeholder 3"/>
           <p:cNvSpPr>
             <a:spLocks noGrp="1"/>
           </p:cNvSpPr>
@@ -2232,12 +2535,21 @@
         <p:spPr/>
         <p:txBody>
           <a:bodyPr/>
-          <a:lstStyle/>
-          <a:p>
-            <a:fld id="{EBC3448F-B956-4440-A21F-0A370EED3FCB}" type="datetimeFigureOut">
-              <a:rPr lang="en-US" smtClean="0"/>
-              <a:pPr/>
-              <a:t>12/3/2015</a:t>
+          <a:lstStyle>
+            <a:lvl1pPr>
+              <a:defRPr/>
+            </a:lvl1pPr>
+          </a:lstStyle>
+          <a:p>
+            <a:pPr>
+              <a:defRPr/>
+            </a:pPr>
+            <a:fld id="{DB9B7D6A-47A5-4463-872D-0D050A544589}" type="datetimeFigureOut">
+              <a:rPr lang="en-US"/>
+              <a:pPr>
+                <a:defRPr/>
+              </a:pPr>
+              <a:t>1/6/2016</a:t>
             </a:fld>
             <a:endParaRPr lang="en-US"/>
           </a:p>
@@ -2245,7 +2557,7 @@
       </p:sp>
       <p:sp>
         <p:nvSpPr>
-          <p:cNvPr id="6" name="Footer Placeholder 5"/>
+          <p:cNvPr id="6" name="Footer Placeholder 4"/>
           <p:cNvSpPr>
             <a:spLocks noGrp="1"/>
           </p:cNvSpPr>
@@ -2256,15 +2568,22 @@
         <p:spPr/>
         <p:txBody>
           <a:bodyPr/>
-          <a:lstStyle/>
-          <a:p>
+          <a:lstStyle>
+            <a:lvl1pPr>
+              <a:defRPr/>
+            </a:lvl1pPr>
+          </a:lstStyle>
+          <a:p>
+            <a:pPr>
+              <a:defRPr/>
+            </a:pPr>
             <a:endParaRPr lang="en-US"/>
           </a:p>
         </p:txBody>
       </p:sp>
       <p:sp>
         <p:nvSpPr>
-          <p:cNvPr id="7" name="Slide Number Placeholder 6"/>
+          <p:cNvPr id="7" name="Slide Number Placeholder 5"/>
           <p:cNvSpPr>
             <a:spLocks noGrp="1"/>
           </p:cNvSpPr>
@@ -2275,11 +2594,20 @@
         <p:spPr/>
         <p:txBody>
           <a:bodyPr/>
-          <a:lstStyle/>
-          <a:p>
-            <a:fld id="{26C7AB76-AEA6-49F6-B02F-4525FE0621ED}" type="slidenum">
-              <a:rPr lang="en-US" smtClean="0"/>
-              <a:pPr/>
+          <a:lstStyle>
+            <a:lvl1pPr>
+              <a:defRPr/>
+            </a:lvl1pPr>
+          </a:lstStyle>
+          <a:p>
+            <a:pPr>
+              <a:defRPr/>
+            </a:pPr>
+            <a:fld id="{9E8AACE8-71AC-4330-A88E-BFBE1AA87B84}" type="slidenum">
+              <a:rPr lang="en-US"/>
+              <a:pPr>
+                <a:defRPr/>
+              </a:pPr>
               <a:t>‹#›</a:t>
             </a:fld>
             <a:endParaRPr lang="en-US"/>
@@ -2287,6 +2615,11 @@
         </p:txBody>
       </p:sp>
     </p:spTree>
+    <p:extLst>
+      <p:ext uri="{BB962C8B-B14F-4D97-AF65-F5344CB8AC3E}">
+        <p14:creationId xmlns:p14="http://schemas.microsoft.com/office/powerpoint/2010/main" val="1661982152"/>
+      </p:ext>
+    </p:extLst>
   </p:cSld>
   <p:clrMapOvr>
     <a:masterClrMapping/>
@@ -2360,7 +2693,9 @@
           </a:xfrm>
         </p:spPr>
         <p:txBody>
-          <a:bodyPr/>
+          <a:bodyPr rtlCol="0">
+            <a:normAutofit/>
+          </a:bodyPr>
           <a:lstStyle>
             <a:lvl1pPr marL="0" indent="0">
               <a:buNone/>
@@ -2400,7 +2735,8 @@
             </a:lvl9pPr>
           </a:lstStyle>
           <a:p>
-            <a:endParaRPr lang="en-US"/>
+            <a:pPr lvl="0"/>
+            <a:endParaRPr lang="en-US" noProof="0"/>
           </a:p>
         </p:txBody>
       </p:sp>
@@ -2471,7 +2807,7 @@
       </p:sp>
       <p:sp>
         <p:nvSpPr>
-          <p:cNvPr id="5" name="Date Placeholder 4"/>
+          <p:cNvPr id="5" name="Date Placeholder 3"/>
           <p:cNvSpPr>
             <a:spLocks noGrp="1"/>
           </p:cNvSpPr>
@@ -2482,12 +2818,21 @@
         <p:spPr/>
         <p:txBody>
           <a:bodyPr/>
-          <a:lstStyle/>
-          <a:p>
-            <a:fld id="{EBC3448F-B956-4440-A21F-0A370EED3FCB}" type="datetimeFigureOut">
-              <a:rPr lang="en-US" smtClean="0"/>
-              <a:pPr/>
-              <a:t>12/3/2015</a:t>
+          <a:lstStyle>
+            <a:lvl1pPr>
+              <a:defRPr/>
+            </a:lvl1pPr>
+          </a:lstStyle>
+          <a:p>
+            <a:pPr>
+              <a:defRPr/>
+            </a:pPr>
+            <a:fld id="{CC20B10B-03B8-4856-A831-AB6EE56BC54E}" type="datetimeFigureOut">
+              <a:rPr lang="en-US"/>
+              <a:pPr>
+                <a:defRPr/>
+              </a:pPr>
+              <a:t>1/6/2016</a:t>
             </a:fld>
             <a:endParaRPr lang="en-US"/>
           </a:p>
@@ -2495,7 +2840,7 @@
       </p:sp>
       <p:sp>
         <p:nvSpPr>
-          <p:cNvPr id="6" name="Footer Placeholder 5"/>
+          <p:cNvPr id="6" name="Footer Placeholder 4"/>
           <p:cNvSpPr>
             <a:spLocks noGrp="1"/>
           </p:cNvSpPr>
@@ -2506,15 +2851,22 @@
         <p:spPr/>
         <p:txBody>
           <a:bodyPr/>
-          <a:lstStyle/>
-          <a:p>
+          <a:lstStyle>
+            <a:lvl1pPr>
+              <a:defRPr/>
+            </a:lvl1pPr>
+          </a:lstStyle>
+          <a:p>
+            <a:pPr>
+              <a:defRPr/>
+            </a:pPr>
             <a:endParaRPr lang="en-US"/>
           </a:p>
         </p:txBody>
       </p:sp>
       <p:sp>
         <p:nvSpPr>
-          <p:cNvPr id="7" name="Slide Number Placeholder 6"/>
+          <p:cNvPr id="7" name="Slide Number Placeholder 5"/>
           <p:cNvSpPr>
             <a:spLocks noGrp="1"/>
           </p:cNvSpPr>
@@ -2525,11 +2877,20 @@
         <p:spPr/>
         <p:txBody>
           <a:bodyPr/>
-          <a:lstStyle/>
-          <a:p>
-            <a:fld id="{26C7AB76-AEA6-49F6-B02F-4525FE0621ED}" type="slidenum">
-              <a:rPr lang="en-US" smtClean="0"/>
-              <a:pPr/>
+          <a:lstStyle>
+            <a:lvl1pPr>
+              <a:defRPr/>
+            </a:lvl1pPr>
+          </a:lstStyle>
+          <a:p>
+            <a:pPr>
+              <a:defRPr/>
+            </a:pPr>
+            <a:fld id="{90DBEE95-4367-416B-9556-0EFFA53C85C2}" type="slidenum">
+              <a:rPr lang="en-US"/>
+              <a:pPr>
+                <a:defRPr/>
+              </a:pPr>
               <a:t>‹#›</a:t>
             </a:fld>
             <a:endParaRPr lang="en-US"/>
@@ -2537,6 +2898,11 @@
         </p:txBody>
       </p:sp>
     </p:spTree>
+    <p:extLst>
+      <p:ext uri="{BB962C8B-B14F-4D97-AF65-F5344CB8AC3E}">
+        <p14:creationId xmlns:p14="http://schemas.microsoft.com/office/powerpoint/2010/main" val="2282185485"/>
+      </p:ext>
+    </p:extLst>
   </p:cSld>
   <p:clrMapOvr>
     <a:masterClrMapping/>
@@ -2548,9 +2914,12 @@
 <p:sldMaster xmlns:a="http://schemas.openxmlformats.org/drawingml/2006/main" xmlns:r="http://schemas.openxmlformats.org/officeDocument/2006/relationships" xmlns:p="http://schemas.openxmlformats.org/presentationml/2006/main">
   <p:cSld>
     <p:bg>
-      <p:bgRef idx="1001">
-        <a:schemeClr val="bg1"/>
-      </p:bgRef>
+      <p:bgPr>
+        <a:solidFill>
+          <a:schemeClr val="bg1"/>
+        </a:solidFill>
+        <a:effectLst/>
+      </p:bgPr>
     </p:bg>
     <p:spTree>
       <p:nvGrpSpPr>
@@ -2568,7 +2937,7 @@
       </p:grpSpPr>
       <p:sp>
         <p:nvSpPr>
-          <p:cNvPr id="2" name="Title Placeholder 1"/>
+          <p:cNvPr id="1026" name="Title Placeholder 1"/>
           <p:cNvSpPr>
             <a:spLocks noGrp="1"/>
           </p:cNvSpPr>
@@ -2576,7 +2945,7 @@
             <p:ph type="title"/>
           </p:nvPr>
         </p:nvSpPr>
-        <p:spPr>
+        <p:spPr bwMode="auto">
           <a:xfrm>
             <a:off x="457200" y="274638"/>
             <a:ext cx="8229600" cy="1143000"/>
@@ -2584,24 +2953,49 @@
           <a:prstGeom prst="rect">
             <a:avLst/>
           </a:prstGeom>
+          <a:noFill/>
+          <a:ln>
+            <a:noFill/>
+          </a:ln>
+          <a:extLst>
+            <a:ext uri="{909E8E84-426E-40DD-AFC4-6F175D3DCCD1}">
+              <a14:hiddenFill xmlns:a14="http://schemas.microsoft.com/office/drawing/2010/main">
+                <a:solidFill>
+                  <a:srgbClr val="FFFFFF"/>
+                </a:solidFill>
+              </a14:hiddenFill>
+            </a:ext>
+            <a:ext uri="{91240B29-F687-4F45-9708-019B960494DF}">
+              <a14:hiddenLine xmlns:a14="http://schemas.microsoft.com/office/drawing/2010/main" w="9525">
+                <a:solidFill>
+                  <a:srgbClr val="000000"/>
+                </a:solidFill>
+                <a:miter lim="800000"/>
+                <a:headEnd/>
+                <a:tailEnd/>
+              </a14:hiddenLine>
+            </a:ext>
+          </a:extLst>
         </p:spPr>
         <p:txBody>
-          <a:bodyPr vert="horz" lIns="91440" tIns="45720" rIns="91440" bIns="45720" rtlCol="0" anchor="ctr">
-            <a:normAutofit/>
+          <a:bodyPr vert="horz" wrap="square" lIns="91440" tIns="45720" rIns="91440" bIns="45720" numCol="1" anchor="ctr" anchorCtr="0" compatLnSpc="1">
+            <a:prstTxWarp prst="textNoShape">
+              <a:avLst/>
+            </a:prstTxWarp>
           </a:bodyPr>
           <a:lstStyle/>
           <a:p>
-            <a:r>
-              <a:rPr lang="en-US" smtClean="0"/>
+            <a:pPr lvl="0"/>
+            <a:r>
+              <a:rPr lang="en-US" altLang="nl-NL" smtClean="0"/>
               <a:t>Click to edit Master title style</a:t>
             </a:r>
-            <a:endParaRPr lang="en-US"/>
-          </a:p>
-        </p:txBody>
-      </p:sp>
-      <p:sp>
-        <p:nvSpPr>
-          <p:cNvPr id="3" name="Text Placeholder 2"/>
+          </a:p>
+        </p:txBody>
+      </p:sp>
+      <p:sp>
+        <p:nvSpPr>
+          <p:cNvPr id="1027" name="Text Placeholder 2"/>
           <p:cNvSpPr>
             <a:spLocks noGrp="1"/>
           </p:cNvSpPr>
@@ -2609,7 +3003,7 @@
             <p:ph type="body" idx="1"/>
           </p:nvPr>
         </p:nvSpPr>
-        <p:spPr>
+        <p:spPr bwMode="auto">
           <a:xfrm>
             <a:off x="457200" y="1600200"/>
             <a:ext cx="8229600" cy="4525963"/>
@@ -2617,47 +3011,71 @@
           <a:prstGeom prst="rect">
             <a:avLst/>
           </a:prstGeom>
+          <a:noFill/>
+          <a:ln>
+            <a:noFill/>
+          </a:ln>
+          <a:extLst>
+            <a:ext uri="{909E8E84-426E-40DD-AFC4-6F175D3DCCD1}">
+              <a14:hiddenFill xmlns:a14="http://schemas.microsoft.com/office/drawing/2010/main">
+                <a:solidFill>
+                  <a:srgbClr val="FFFFFF"/>
+                </a:solidFill>
+              </a14:hiddenFill>
+            </a:ext>
+            <a:ext uri="{91240B29-F687-4F45-9708-019B960494DF}">
+              <a14:hiddenLine xmlns:a14="http://schemas.microsoft.com/office/drawing/2010/main" w="9525">
+                <a:solidFill>
+                  <a:srgbClr val="000000"/>
+                </a:solidFill>
+                <a:miter lim="800000"/>
+                <a:headEnd/>
+                <a:tailEnd/>
+              </a14:hiddenLine>
+            </a:ext>
+          </a:extLst>
         </p:spPr>
         <p:txBody>
-          <a:bodyPr vert="horz" lIns="91440" tIns="45720" rIns="91440" bIns="45720" rtlCol="0">
-            <a:normAutofit/>
+          <a:bodyPr vert="horz" wrap="square" lIns="91440" tIns="45720" rIns="91440" bIns="45720" numCol="1" anchor="t" anchorCtr="0" compatLnSpc="1">
+            <a:prstTxWarp prst="textNoShape">
+              <a:avLst/>
+            </a:prstTxWarp>
           </a:bodyPr>
           <a:lstStyle/>
           <a:p>
             <a:pPr lvl="0"/>
             <a:r>
-              <a:rPr lang="en-US" smtClean="0"/>
+              <a:rPr lang="en-US" altLang="nl-NL" smtClean="0"/>
               <a:t>Click to edit Master text styles</a:t>
             </a:r>
           </a:p>
           <a:p>
             <a:pPr lvl="1"/>
             <a:r>
-              <a:rPr lang="en-US" smtClean="0"/>
+              <a:rPr lang="en-US" altLang="nl-NL" smtClean="0"/>
               <a:t>Second level</a:t>
             </a:r>
           </a:p>
           <a:p>
             <a:pPr lvl="2"/>
             <a:r>
-              <a:rPr lang="en-US" smtClean="0"/>
+              <a:rPr lang="en-US" altLang="nl-NL" smtClean="0"/>
               <a:t>Third level</a:t>
             </a:r>
           </a:p>
           <a:p>
             <a:pPr lvl="3"/>
             <a:r>
-              <a:rPr lang="en-US" smtClean="0"/>
+              <a:rPr lang="en-US" altLang="nl-NL" smtClean="0"/>
               <a:t>Fourth level</a:t>
             </a:r>
           </a:p>
           <a:p>
             <a:pPr lvl="4"/>
             <a:r>
-              <a:rPr lang="en-US" smtClean="0"/>
+              <a:rPr lang="en-US" altLang="nl-NL" smtClean="0"/>
               <a:t>Fifth level</a:t>
             </a:r>
-            <a:endParaRPr lang="en-US"/>
           </a:p>
         </p:txBody>
       </p:sp>
@@ -2683,21 +3101,34 @@
         <p:txBody>
           <a:bodyPr vert="horz" lIns="91440" tIns="45720" rIns="91440" bIns="45720" rtlCol="0" anchor="ctr"/>
           <a:lstStyle>
-            <a:lvl1pPr algn="l">
-              <a:defRPr sz="1200">
+            <a:lvl1pPr algn="l" fontAlgn="auto">
+              <a:spcBef>
+                <a:spcPts val="0"/>
+              </a:spcBef>
+              <a:spcAft>
+                <a:spcPts val="0"/>
+              </a:spcAft>
+              <a:defRPr sz="1200" smtClean="0">
                 <a:solidFill>
                   <a:schemeClr val="tx1">
                     <a:tint val="75000"/>
                   </a:schemeClr>
                 </a:solidFill>
+                <a:latin typeface="+mn-lt"/>
+                <a:cs typeface="+mn-cs"/>
               </a:defRPr>
             </a:lvl1pPr>
           </a:lstStyle>
           <a:p>
-            <a:fld id="{EBC3448F-B956-4440-A21F-0A370EED3FCB}" type="datetimeFigureOut">
-              <a:rPr lang="en-US" smtClean="0"/>
-              <a:pPr/>
-              <a:t>12/3/2015</a:t>
+            <a:pPr>
+              <a:defRPr/>
+            </a:pPr>
+            <a:fld id="{57FAA989-3568-4FAD-B8AC-F60370E13791}" type="datetimeFigureOut">
+              <a:rPr lang="en-US"/>
+              <a:pPr>
+                <a:defRPr/>
+              </a:pPr>
+              <a:t>1/6/2016</a:t>
             </a:fld>
             <a:endParaRPr lang="en-US"/>
           </a:p>
@@ -2725,17 +3156,28 @@
         <p:txBody>
           <a:bodyPr vert="horz" lIns="91440" tIns="45720" rIns="91440" bIns="45720" rtlCol="0" anchor="ctr"/>
           <a:lstStyle>
-            <a:lvl1pPr algn="ctr">
+            <a:lvl1pPr algn="ctr" fontAlgn="auto">
+              <a:spcBef>
+                <a:spcPts val="0"/>
+              </a:spcBef>
+              <a:spcAft>
+                <a:spcPts val="0"/>
+              </a:spcAft>
               <a:defRPr sz="1200">
                 <a:solidFill>
                   <a:schemeClr val="tx1">
                     <a:tint val="75000"/>
                   </a:schemeClr>
                 </a:solidFill>
+                <a:latin typeface="+mn-lt"/>
+                <a:cs typeface="+mn-cs"/>
               </a:defRPr>
             </a:lvl1pPr>
           </a:lstStyle>
           <a:p>
+            <a:pPr>
+              <a:defRPr/>
+            </a:pPr>
             <a:endParaRPr lang="en-US"/>
           </a:p>
         </p:txBody>
@@ -2762,20 +3204,33 @@
         <p:txBody>
           <a:bodyPr vert="horz" lIns="91440" tIns="45720" rIns="91440" bIns="45720" rtlCol="0" anchor="ctr"/>
           <a:lstStyle>
-            <a:lvl1pPr algn="r">
-              <a:defRPr sz="1200">
+            <a:lvl1pPr algn="r" fontAlgn="auto">
+              <a:spcBef>
+                <a:spcPts val="0"/>
+              </a:spcBef>
+              <a:spcAft>
+                <a:spcPts val="0"/>
+              </a:spcAft>
+              <a:defRPr sz="1200" smtClean="0">
                 <a:solidFill>
                   <a:schemeClr val="tx1">
                     <a:tint val="75000"/>
                   </a:schemeClr>
                 </a:solidFill>
+                <a:latin typeface="+mn-lt"/>
+                <a:cs typeface="+mn-cs"/>
               </a:defRPr>
             </a:lvl1pPr>
           </a:lstStyle>
           <a:p>
-            <a:fld id="{26C7AB76-AEA6-49F6-B02F-4525FE0621ED}" type="slidenum">
-              <a:rPr lang="en-US" smtClean="0"/>
-              <a:pPr/>
+            <a:pPr>
+              <a:defRPr/>
+            </a:pPr>
+            <a:fld id="{25C7A4B9-142B-4DF5-877D-F8E9A4DC4FAE}" type="slidenum">
+              <a:rPr lang="en-US"/>
+              <a:pPr>
+                <a:defRPr/>
+              </a:pPr>
               <a:t>‹#›</a:t>
             </a:fld>
             <a:endParaRPr lang="en-US"/>
@@ -2800,11 +3255,13 @@
   </p:sldLayoutIdLst>
   <p:txStyles>
     <p:titleStyle>
-      <a:lvl1pPr algn="ctr" defTabSz="914400" rtl="0" eaLnBrk="1" latinLnBrk="0" hangingPunct="1">
+      <a:lvl1pPr algn="ctr" rtl="0" fontAlgn="base">
         <a:spcBef>
           <a:spcPct val="0"/>
         </a:spcBef>
-        <a:buNone/>
+        <a:spcAft>
+          <a:spcPct val="0"/>
+        </a:spcAft>
         <a:defRPr sz="4400" kern="1200">
           <a:solidFill>
             <a:schemeClr val="tx1"/>
@@ -2814,13 +3271,128 @@
           <a:cs typeface="+mj-cs"/>
         </a:defRPr>
       </a:lvl1pPr>
+      <a:lvl2pPr algn="ctr" rtl="0" fontAlgn="base">
+        <a:spcBef>
+          <a:spcPct val="0"/>
+        </a:spcBef>
+        <a:spcAft>
+          <a:spcPct val="0"/>
+        </a:spcAft>
+        <a:defRPr sz="4400">
+          <a:solidFill>
+            <a:schemeClr val="tx1"/>
+          </a:solidFill>
+          <a:latin typeface="Calibri" pitchFamily="34" charset="0"/>
+        </a:defRPr>
+      </a:lvl2pPr>
+      <a:lvl3pPr algn="ctr" rtl="0" fontAlgn="base">
+        <a:spcBef>
+          <a:spcPct val="0"/>
+        </a:spcBef>
+        <a:spcAft>
+          <a:spcPct val="0"/>
+        </a:spcAft>
+        <a:defRPr sz="4400">
+          <a:solidFill>
+            <a:schemeClr val="tx1"/>
+          </a:solidFill>
+          <a:latin typeface="Calibri" pitchFamily="34" charset="0"/>
+        </a:defRPr>
+      </a:lvl3pPr>
+      <a:lvl4pPr algn="ctr" rtl="0" fontAlgn="base">
+        <a:spcBef>
+          <a:spcPct val="0"/>
+        </a:spcBef>
+        <a:spcAft>
+          <a:spcPct val="0"/>
+        </a:spcAft>
+        <a:defRPr sz="4400">
+          <a:solidFill>
+            <a:schemeClr val="tx1"/>
+          </a:solidFill>
+          <a:latin typeface="Calibri" pitchFamily="34" charset="0"/>
+        </a:defRPr>
+      </a:lvl4pPr>
+      <a:lvl5pPr algn="ctr" rtl="0" fontAlgn="base">
+        <a:spcBef>
+          <a:spcPct val="0"/>
+        </a:spcBef>
+        <a:spcAft>
+          <a:spcPct val="0"/>
+        </a:spcAft>
+        <a:defRPr sz="4400">
+          <a:solidFill>
+            <a:schemeClr val="tx1"/>
+          </a:solidFill>
+          <a:latin typeface="Calibri" pitchFamily="34" charset="0"/>
+        </a:defRPr>
+      </a:lvl5pPr>
+      <a:lvl6pPr marL="457200" algn="ctr" rtl="0" fontAlgn="base">
+        <a:spcBef>
+          <a:spcPct val="0"/>
+        </a:spcBef>
+        <a:spcAft>
+          <a:spcPct val="0"/>
+        </a:spcAft>
+        <a:defRPr sz="4400">
+          <a:solidFill>
+            <a:schemeClr val="tx1"/>
+          </a:solidFill>
+          <a:latin typeface="Calibri" pitchFamily="34" charset="0"/>
+        </a:defRPr>
+      </a:lvl6pPr>
+      <a:lvl7pPr marL="914400" algn="ctr" rtl="0" fontAlgn="base">
+        <a:spcBef>
+          <a:spcPct val="0"/>
+        </a:spcBef>
+        <a:spcAft>
+          <a:spcPct val="0"/>
+        </a:spcAft>
+        <a:defRPr sz="4400">
+          <a:solidFill>
+            <a:schemeClr val="tx1"/>
+          </a:solidFill>
+          <a:latin typeface="Calibri" pitchFamily="34" charset="0"/>
+        </a:defRPr>
+      </a:lvl7pPr>
+      <a:lvl8pPr marL="1371600" algn="ctr" rtl="0" fontAlgn="base">
+        <a:spcBef>
+          <a:spcPct val="0"/>
+        </a:spcBef>
+        <a:spcAft>
+          <a:spcPct val="0"/>
+        </a:spcAft>
+        <a:defRPr sz="4400">
+          <a:solidFill>
+            <a:schemeClr val="tx1"/>
+          </a:solidFill>
+          <a:latin typeface="Calibri" pitchFamily="34" charset="0"/>
+        </a:defRPr>
+      </a:lvl8pPr>
+      <a:lvl9pPr marL="1828800" algn="ctr" rtl="0" fontAlgn="base">
+        <a:spcBef>
+          <a:spcPct val="0"/>
+        </a:spcBef>
+        <a:spcAft>
+          <a:spcPct val="0"/>
+        </a:spcAft>
+        <a:defRPr sz="4400">
+          <a:solidFill>
+            <a:schemeClr val="tx1"/>
+          </a:solidFill>
+          <a:latin typeface="Calibri" pitchFamily="34" charset="0"/>
+        </a:defRPr>
+      </a:lvl9pPr>
     </p:titleStyle>
     <p:bodyStyle>
-      <a:lvl1pPr marL="342900" indent="-342900" algn="l" defTabSz="914400" rtl="0" eaLnBrk="1" latinLnBrk="0" hangingPunct="1">
+      <a:lvl1pPr marL="342900" indent="-342900" algn="l" rtl="0" fontAlgn="base">
         <a:spcBef>
           <a:spcPct val="20000"/>
         </a:spcBef>
-        <a:buFont typeface="Arial" pitchFamily="34" charset="0"/>
+        <a:spcAft>
+          <a:spcPct val="0"/>
+        </a:spcAft>
+        <a:buFont typeface="Arial" charset="0"/>
         <a:buChar char="•"/>
         <a:defRPr sz="3200" kern="1200">
           <a:solidFill>
@@ -2831,11 +3403,14 @@
           <a:cs typeface="+mn-cs"/>
         </a:defRPr>
       </a:lvl1pPr>
-      <a:lvl2pPr marL="742950" indent="-285750" algn="l" defTabSz="914400" rtl="0" eaLnBrk="1" latinLnBrk="0" hangingPunct="1">
+      <a:lvl2pPr marL="742950" indent="-285750" algn="l" rtl="0" fontAlgn="base">
         <a:spcBef>
           <a:spcPct val="20000"/>
         </a:spcBef>
-        <a:buFont typeface="Arial" pitchFamily="34" charset="0"/>
+        <a:spcAft>
+          <a:spcPct val="0"/>
+        </a:spcAft>
+        <a:buFont typeface="Arial" charset="0"/>
         <a:buChar char="–"/>
         <a:defRPr sz="2800" kern="1200">
           <a:solidFill>
@@ -2846,11 +3421,14 @@
           <a:cs typeface="+mn-cs"/>
         </a:defRPr>
       </a:lvl2pPr>
-      <a:lvl3pPr marL="1143000" indent="-228600" algn="l" defTabSz="914400" rtl="0" eaLnBrk="1" latinLnBrk="0" hangingPunct="1">
+      <a:lvl3pPr marL="1143000" indent="-228600" algn="l" rtl="0" fontAlgn="base">
         <a:spcBef>
           <a:spcPct val="20000"/>
         </a:spcBef>
-        <a:buFont typeface="Arial" pitchFamily="34" charset="0"/>
+        <a:spcAft>
+          <a:spcPct val="0"/>
+        </a:spcAft>
+        <a:buFont typeface="Arial" charset="0"/>
         <a:buChar char="•"/>
         <a:defRPr sz="2400" kern="1200">
           <a:solidFill>
@@ -2861,11 +3439,14 @@
           <a:cs typeface="+mn-cs"/>
         </a:defRPr>
       </a:lvl3pPr>
-      <a:lvl4pPr marL="1600200" indent="-228600" algn="l" defTabSz="914400" rtl="0" eaLnBrk="1" latinLnBrk="0" hangingPunct="1">
+      <a:lvl4pPr marL="1600200" indent="-228600" algn="l" rtl="0" fontAlgn="base">
         <a:spcBef>
           <a:spcPct val="20000"/>
         </a:spcBef>
-        <a:buFont typeface="Arial" pitchFamily="34" charset="0"/>
+        <a:spcAft>
+          <a:spcPct val="0"/>
+        </a:spcAft>
+        <a:buFont typeface="Arial" charset="0"/>
         <a:buChar char="–"/>
         <a:defRPr sz="2000" kern="1200">
           <a:solidFill>
@@ -2876,11 +3457,14 @@
           <a:cs typeface="+mn-cs"/>
         </a:defRPr>
       </a:lvl4pPr>
-      <a:lvl5pPr marL="2057400" indent="-228600" algn="l" defTabSz="914400" rtl="0" eaLnBrk="1" latinLnBrk="0" hangingPunct="1">
+      <a:lvl5pPr marL="2057400" indent="-228600" algn="l" rtl="0" fontAlgn="base">
         <a:spcBef>
           <a:spcPct val="20000"/>
         </a:spcBef>
-        <a:buFont typeface="Arial" pitchFamily="34" charset="0"/>
+        <a:spcAft>
+          <a:spcPct val="0"/>
+        </a:spcAft>
+        <a:buFont typeface="Arial" charset="0"/>
         <a:buChar char="»"/>
         <a:defRPr sz="2000" kern="1200">
           <a:solidFill>
@@ -3081,22 +3665,21 @@
         <p:spPr/>
         <p:txBody>
           <a:bodyPr>
-            <a:normAutofit fontScale="90000"/>
+            <a:normAutofit/>
           </a:bodyPr>
           <a:lstStyle/>
           <a:p>
             <a:r>
-              <a:rPr lang="en-US" dirty="0" smtClean="0"/>
+              <a:rPr lang="en-US" altLang="nl-NL" sz="4000" dirty="0" smtClean="0"/>
               <a:t>ROS-Industrial Developers Meeting</a:t>
             </a:r>
             <a:br>
-              <a:rPr lang="en-US" dirty="0" smtClean="0"/>
+              <a:rPr lang="en-US" altLang="nl-NL" sz="4000" dirty="0" smtClean="0"/>
             </a:br>
             <a:r>
-              <a:rPr lang="en-US" dirty="0" smtClean="0"/>
-              <a:t>(12/8/2015)</a:t>
-            </a:r>
-            <a:endParaRPr lang="en-US" dirty="0"/>
+              <a:rPr lang="en-US" altLang="nl-NL" sz="4000" dirty="0" smtClean="0"/>
+              <a:t>(2015-12-08)</a:t>
+            </a:r>
           </a:p>
         </p:txBody>
       </p:sp>
@@ -3112,9 +3695,19 @@
         </p:nvSpPr>
         <p:spPr/>
         <p:txBody>
-          <a:bodyPr/>
+          <a:bodyPr rtlCol="0">
+            <a:normAutofit/>
+          </a:bodyPr>
           <a:lstStyle/>
           <a:p>
+            <a:pPr fontAlgn="auto">
+              <a:spcAft>
+                <a:spcPts val="0"/>
+              </a:spcAft>
+              <a:buFont typeface="Arial" pitchFamily="34" charset="0"/>
+              <a:buNone/>
+              <a:defRPr/>
+            </a:pPr>
             <a:r>
               <a:rPr lang="en-US" dirty="0" smtClean="0"/>
               <a:t>Gijs vd. Hoorn</a:t>
@@ -3150,7 +3743,7 @@
       </p:grpSpPr>
       <p:sp>
         <p:nvSpPr>
-          <p:cNvPr id="2" name="Title 1"/>
+          <p:cNvPr id="19457" name="Title 1"/>
           <p:cNvSpPr>
             <a:spLocks noGrp="1"/>
           </p:cNvSpPr>
@@ -3164,10 +3757,9 @@
           <a:lstStyle/>
           <a:p>
             <a:r>
-              <a:rPr lang="en-US" dirty="0" smtClean="0"/>
-              <a:t>Actions Items</a:t>
-            </a:r>
-            <a:endParaRPr lang="en-US" dirty="0"/>
+              <a:rPr lang="en-US" altLang="nl-NL" smtClean="0"/>
+              <a:t>New Development</a:t>
+            </a:r>
           </a:p>
         </p:txBody>
       </p:sp>
@@ -3183,14 +3775,263 @@
         </p:nvSpPr>
         <p:spPr/>
         <p:txBody>
-          <a:bodyPr/>
+          <a:bodyPr>
+            <a:normAutofit/>
+          </a:bodyPr>
           <a:lstStyle/>
           <a:p>
-            <a:r>
-              <a:rPr lang="en-US" dirty="0" smtClean="0"/>
-              <a:t>??</a:t>
-            </a:r>
-            <a:endParaRPr lang="en-US" dirty="0"/>
+            <a:pPr marL="342900" lvl="1" indent="-342900">
+              <a:buFont typeface="Arial" charset="0"/>
+              <a:buChar char="•"/>
+            </a:pPr>
+            <a:r>
+              <a:rPr lang="en-US" altLang="nl-NL" dirty="0" smtClean="0"/>
+              <a:t>ROS OPC UA</a:t>
+            </a:r>
+          </a:p>
+          <a:p>
+            <a:pPr marL="0" lvl="1" indent="0">
+              <a:buNone/>
+            </a:pPr>
+            <a:endParaRPr lang="en-US" altLang="nl-NL" dirty="0" smtClean="0"/>
+          </a:p>
+        </p:txBody>
+      </p:sp>
+    </p:spTree>
+  </p:cSld>
+  <p:clrMapOvr>
+    <a:masterClrMapping/>
+  </p:clrMapOvr>
+</p:sld>
+</file>
+
+<file path=ppt/slides/slide11.xml><?xml version="1.0" encoding="utf-8"?>
+<p:sld xmlns:a="http://schemas.openxmlformats.org/drawingml/2006/main" xmlns:r="http://schemas.openxmlformats.org/officeDocument/2006/relationships" xmlns:p="http://schemas.openxmlformats.org/presentationml/2006/main">
+  <p:cSld>
+    <p:spTree>
+      <p:nvGrpSpPr>
+        <p:cNvPr id="1" name=""/>
+        <p:cNvGrpSpPr/>
+        <p:nvPr/>
+      </p:nvGrpSpPr>
+      <p:grpSpPr>
+        <a:xfrm>
+          <a:off x="0" y="0"/>
+          <a:ext cx="0" cy="0"/>
+          <a:chOff x="0" y="0"/>
+          <a:chExt cx="0" cy="0"/>
+        </a:xfrm>
+      </p:grpSpPr>
+      <p:sp>
+        <p:nvSpPr>
+          <p:cNvPr id="20481" name="Title 1"/>
+          <p:cNvSpPr>
+            <a:spLocks noGrp="1"/>
+          </p:cNvSpPr>
+          <p:nvPr>
+            <p:ph type="title"/>
+          </p:nvPr>
+        </p:nvSpPr>
+        <p:spPr/>
+        <p:txBody>
+          <a:bodyPr/>
+          <a:lstStyle/>
+          <a:p>
+            <a:r>
+              <a:rPr lang="en-US" altLang="nl-NL" smtClean="0"/>
+              <a:t>New Development</a:t>
+            </a:r>
+          </a:p>
+        </p:txBody>
+      </p:sp>
+      <p:sp>
+        <p:nvSpPr>
+          <p:cNvPr id="20482" name="Content Placeholder 2"/>
+          <p:cNvSpPr>
+            <a:spLocks noGrp="1"/>
+          </p:cNvSpPr>
+          <p:nvPr>
+            <p:ph idx="1"/>
+          </p:nvPr>
+        </p:nvSpPr>
+        <p:spPr/>
+        <p:txBody>
+          <a:bodyPr/>
+          <a:lstStyle/>
+          <a:p>
+            <a:r>
+              <a:rPr lang="en-US" altLang="nl-NL" dirty="0" smtClean="0"/>
+              <a:t>ROS 2.0</a:t>
+            </a:r>
+          </a:p>
+          <a:p>
+            <a:pPr lvl="1"/>
+            <a:r>
+              <a:rPr lang="en-US" altLang="nl-NL" dirty="0" smtClean="0"/>
+              <a:t>Is anybody </a:t>
+            </a:r>
+            <a:r>
+              <a:rPr lang="en-US" altLang="nl-NL" dirty="0" smtClean="0"/>
+              <a:t>in the ROS-I </a:t>
+            </a:r>
+            <a:r>
+              <a:rPr lang="en-US" altLang="nl-NL" dirty="0" smtClean="0"/>
+              <a:t>community participating?</a:t>
+            </a:r>
+          </a:p>
+        </p:txBody>
+      </p:sp>
+    </p:spTree>
+  </p:cSld>
+  <p:clrMapOvr>
+    <a:masterClrMapping/>
+  </p:clrMapOvr>
+</p:sld>
+</file>
+
+<file path=ppt/slides/slide12.xml><?xml version="1.0" encoding="utf-8"?>
+<p:sld xmlns:a="http://schemas.openxmlformats.org/drawingml/2006/main" xmlns:r="http://schemas.openxmlformats.org/officeDocument/2006/relationships" xmlns:p="http://schemas.openxmlformats.org/presentationml/2006/main">
+  <p:cSld>
+    <p:spTree>
+      <p:nvGrpSpPr>
+        <p:cNvPr id="1" name=""/>
+        <p:cNvGrpSpPr/>
+        <p:nvPr/>
+      </p:nvGrpSpPr>
+      <p:grpSpPr>
+        <a:xfrm>
+          <a:off x="0" y="0"/>
+          <a:ext cx="0" cy="0"/>
+          <a:chOff x="0" y="0"/>
+          <a:chExt cx="0" cy="0"/>
+        </a:xfrm>
+      </p:grpSpPr>
+      <p:sp>
+        <p:nvSpPr>
+          <p:cNvPr id="21505" name="Title 1"/>
+          <p:cNvSpPr>
+            <a:spLocks noGrp="1"/>
+          </p:cNvSpPr>
+          <p:nvPr>
+            <p:ph type="title"/>
+          </p:nvPr>
+        </p:nvSpPr>
+        <p:spPr/>
+        <p:txBody>
+          <a:bodyPr/>
+          <a:lstStyle/>
+          <a:p>
+            <a:r>
+              <a:rPr lang="en-US" altLang="nl-NL" smtClean="0"/>
+              <a:t>Announcements</a:t>
+            </a:r>
+          </a:p>
+        </p:txBody>
+      </p:sp>
+      <p:sp>
+        <p:nvSpPr>
+          <p:cNvPr id="21506" name="Content Placeholder 2"/>
+          <p:cNvSpPr>
+            <a:spLocks noGrp="1"/>
+          </p:cNvSpPr>
+          <p:nvPr>
+            <p:ph idx="1"/>
+          </p:nvPr>
+        </p:nvSpPr>
+        <p:spPr/>
+        <p:txBody>
+          <a:bodyPr/>
+          <a:lstStyle/>
+          <a:p>
+            <a:r>
+              <a:rPr lang="en-US" altLang="nl-NL" dirty="0" smtClean="0"/>
+              <a:t>ROS-I Community Meeting - </a:t>
+            </a:r>
+            <a:r>
+              <a:rPr lang="en-US" altLang="nl-NL" dirty="0" smtClean="0">
+                <a:hlinkClick r:id="rId2"/>
+              </a:rPr>
+              <a:t>http://rosindustrial.org/events/2015/12/14/ros-i-community-meeting-at-robouniverse-san-diego</a:t>
+            </a:r>
+            <a:r>
+              <a:rPr lang="en-US" altLang="nl-NL" dirty="0" smtClean="0"/>
+              <a:t> </a:t>
+            </a:r>
+          </a:p>
+          <a:p>
+            <a:pPr marL="0" indent="0">
+              <a:buNone/>
+            </a:pPr>
+            <a:endParaRPr lang="en-US" altLang="nl-NL" dirty="0" smtClean="0"/>
+          </a:p>
+        </p:txBody>
+      </p:sp>
+    </p:spTree>
+  </p:cSld>
+  <p:clrMapOvr>
+    <a:masterClrMapping/>
+  </p:clrMapOvr>
+</p:sld>
+</file>
+
+<file path=ppt/slides/slide13.xml><?xml version="1.0" encoding="utf-8"?>
+<p:sld xmlns:a="http://schemas.openxmlformats.org/drawingml/2006/main" xmlns:r="http://schemas.openxmlformats.org/officeDocument/2006/relationships" xmlns:p="http://schemas.openxmlformats.org/presentationml/2006/main">
+  <p:cSld>
+    <p:spTree>
+      <p:nvGrpSpPr>
+        <p:cNvPr id="1" name=""/>
+        <p:cNvGrpSpPr/>
+        <p:nvPr/>
+      </p:nvGrpSpPr>
+      <p:grpSpPr>
+        <a:xfrm>
+          <a:off x="0" y="0"/>
+          <a:ext cx="0" cy="0"/>
+          <a:chOff x="0" y="0"/>
+          <a:chExt cx="0" cy="0"/>
+        </a:xfrm>
+      </p:grpSpPr>
+      <p:sp>
+        <p:nvSpPr>
+          <p:cNvPr id="22529" name="Title 1"/>
+          <p:cNvSpPr>
+            <a:spLocks noGrp="1"/>
+          </p:cNvSpPr>
+          <p:nvPr>
+            <p:ph type="title"/>
+          </p:nvPr>
+        </p:nvSpPr>
+        <p:spPr/>
+        <p:txBody>
+          <a:bodyPr/>
+          <a:lstStyle/>
+          <a:p>
+            <a:r>
+              <a:rPr lang="en-US" altLang="nl-NL" dirty="0" smtClean="0"/>
+              <a:t>Action Items</a:t>
+            </a:r>
+          </a:p>
+        </p:txBody>
+      </p:sp>
+      <p:sp>
+        <p:nvSpPr>
+          <p:cNvPr id="22530" name="Content Placeholder 2"/>
+          <p:cNvSpPr>
+            <a:spLocks noGrp="1"/>
+          </p:cNvSpPr>
+          <p:nvPr>
+            <p:ph idx="1"/>
+          </p:nvPr>
+        </p:nvSpPr>
+        <p:spPr/>
+        <p:txBody>
+          <a:bodyPr/>
+          <a:lstStyle/>
+          <a:p>
+            <a:pPr marL="0" indent="0">
+              <a:buNone/>
+            </a:pPr>
+            <a:endParaRPr lang="en-US" altLang="nl-NL" dirty="0" smtClean="0"/>
           </a:p>
         </p:txBody>
       </p:sp>
@@ -3221,7 +4062,7 @@
       </p:grpSpPr>
       <p:sp>
         <p:nvSpPr>
-          <p:cNvPr id="2" name="Title 1"/>
+          <p:cNvPr id="14337" name="Title 1"/>
           <p:cNvSpPr>
             <a:spLocks noGrp="1"/>
           </p:cNvSpPr>
@@ -3235,10 +4076,9 @@
           <a:lstStyle/>
           <a:p>
             <a:r>
-              <a:rPr lang="en-US" dirty="0" smtClean="0"/>
+              <a:rPr lang="en-US" altLang="nl-NL" smtClean="0"/>
               <a:t>Agenda</a:t>
             </a:r>
-            <a:endParaRPr lang="en-US" dirty="0"/>
           </a:p>
         </p:txBody>
       </p:sp>
@@ -3254,56 +4094,117 @@
         </p:nvSpPr>
         <p:spPr/>
         <p:txBody>
-          <a:bodyPr>
+          <a:bodyPr rtlCol="0">
             <a:normAutofit lnSpcReduction="10000"/>
           </a:bodyPr>
           <a:lstStyle/>
           <a:p>
+            <a:pPr fontAlgn="auto">
+              <a:spcAft>
+                <a:spcPts val="0"/>
+              </a:spcAft>
+              <a:buFont typeface="Arial" pitchFamily="34" charset="0"/>
+              <a:buChar char="•"/>
+              <a:defRPr/>
+            </a:pPr>
             <a:r>
               <a:rPr lang="en-US" dirty="0" smtClean="0"/>
               <a:t>Intros (only new people) - 5 min</a:t>
             </a:r>
           </a:p>
           <a:p>
+            <a:pPr fontAlgn="auto">
+              <a:spcAft>
+                <a:spcPts val="0"/>
+              </a:spcAft>
+              <a:buFont typeface="Arial" pitchFamily="34" charset="0"/>
+              <a:buChar char="•"/>
+              <a:defRPr/>
+            </a:pPr>
             <a:r>
               <a:rPr lang="en-US" dirty="0" smtClean="0"/>
               <a:t>Repo status (highlights) - 10 min</a:t>
             </a:r>
           </a:p>
           <a:p>
+            <a:pPr fontAlgn="auto">
+              <a:spcAft>
+                <a:spcPts val="0"/>
+              </a:spcAft>
+              <a:buFont typeface="Arial" pitchFamily="34" charset="0"/>
+              <a:buChar char="•"/>
+              <a:defRPr/>
+            </a:pPr>
             <a:r>
               <a:rPr lang="en-US" dirty="0" smtClean="0"/>
               <a:t>Update on previous meeting action items - 5 min</a:t>
             </a:r>
           </a:p>
           <a:p>
+            <a:pPr fontAlgn="auto">
+              <a:spcAft>
+                <a:spcPts val="0"/>
+              </a:spcAft>
+              <a:buFont typeface="Arial" pitchFamily="34" charset="0"/>
+              <a:buChar char="•"/>
+              <a:defRPr/>
+            </a:pPr>
             <a:r>
               <a:rPr lang="en-US" dirty="0" smtClean="0"/>
               <a:t>New development discussions - 30 min</a:t>
             </a:r>
           </a:p>
           <a:p>
-            <a:pPr lvl="1"/>
+            <a:pPr lvl="1" fontAlgn="auto">
+              <a:spcAft>
+                <a:spcPts val="0"/>
+              </a:spcAft>
+              <a:buFont typeface="Arial" pitchFamily="34" charset="0"/>
+              <a:buChar char="–"/>
+              <a:defRPr/>
+            </a:pPr>
             <a:r>
               <a:rPr lang="en-US" dirty="0" smtClean="0"/>
               <a:t>Outstanding Task Discussion (REPs, PRs, etc…)</a:t>
             </a:r>
           </a:p>
           <a:p>
-            <a:pPr lvl="1"/>
+            <a:pPr lvl="1" fontAlgn="auto">
+              <a:spcAft>
+                <a:spcPts val="0"/>
+              </a:spcAft>
+              <a:buFont typeface="Arial" pitchFamily="34" charset="0"/>
+              <a:buChar char="–"/>
+              <a:defRPr/>
+            </a:pPr>
             <a:r>
               <a:rPr lang="en-US" dirty="0" smtClean="0"/>
               <a:t>ROS OPC UA</a:t>
             </a:r>
           </a:p>
           <a:p>
-            <a:pPr lvl="1"/>
+            <a:pPr lvl="1" fontAlgn="auto">
+              <a:spcAft>
+                <a:spcPts val="0"/>
+              </a:spcAft>
+              <a:buFont typeface="Arial" pitchFamily="34" charset="0"/>
+              <a:buChar char="–"/>
+              <a:defRPr/>
+            </a:pPr>
             <a:r>
               <a:rPr lang="en-US" dirty="0" smtClean="0"/>
               <a:t>ROS 2.0</a:t>
             </a:r>
           </a:p>
           <a:p>
+            <a:pPr fontAlgn="auto">
+              <a:spcAft>
+                <a:spcPts val="0"/>
+              </a:spcAft>
+              <a:buFont typeface="Arial" pitchFamily="34" charset="0"/>
+              <a:buChar char="•"/>
+              <a:defRPr/>
+            </a:pPr>
             <a:r>
               <a:rPr lang="en-US" dirty="0" smtClean="0"/>
               <a:t>General announcements - 10 min</a:t>
@@ -3338,7 +4239,7 @@
       </p:grpSpPr>
       <p:sp>
         <p:nvSpPr>
-          <p:cNvPr id="2" name="Title 1"/>
+          <p:cNvPr id="15361" name="Title 1"/>
           <p:cNvSpPr>
             <a:spLocks noGrp="1"/>
           </p:cNvSpPr>
@@ -3352,16 +4253,15 @@
           <a:lstStyle/>
           <a:p>
             <a:r>
-              <a:rPr lang="en-US" dirty="0" smtClean="0"/>
+              <a:rPr lang="en-US" altLang="nl-NL" smtClean="0"/>
               <a:t>Intros (new people)</a:t>
             </a:r>
-            <a:endParaRPr lang="en-US" dirty="0"/>
-          </a:p>
-        </p:txBody>
-      </p:sp>
-      <p:sp>
-        <p:nvSpPr>
-          <p:cNvPr id="3" name="Content Placeholder 2"/>
+          </a:p>
+        </p:txBody>
+      </p:sp>
+      <p:sp>
+        <p:nvSpPr>
+          <p:cNvPr id="15362" name="Content Placeholder 2"/>
           <p:cNvSpPr>
             <a:spLocks noGrp="1"/>
           </p:cNvSpPr>
@@ -3375,27 +4275,28 @@
           <a:lstStyle/>
           <a:p>
             <a:r>
-              <a:rPr lang="en-US" dirty="0" smtClean="0"/>
+              <a:rPr lang="en-US" altLang="nl-NL" smtClean="0"/>
               <a:t>Who are you?</a:t>
             </a:r>
           </a:p>
           <a:p>
             <a:r>
-              <a:rPr lang="en-US" dirty="0" smtClean="0"/>
+              <a:rPr lang="en-US" altLang="nl-NL" smtClean="0"/>
               <a:t>Where do you work?</a:t>
             </a:r>
           </a:p>
           <a:p>
             <a:r>
-              <a:rPr lang="en-US" dirty="0" smtClean="0"/>
+              <a:rPr lang="en-US" altLang="nl-NL" smtClean="0"/>
               <a:t>Role in ROS-I: developer, maintainer, documenter, organizer, tester, looking for one</a:t>
             </a:r>
           </a:p>
           <a:p>
             <a:pPr>
+              <a:buFont typeface="Arial" charset="0"/>
               <a:buNone/>
             </a:pPr>
-            <a:endParaRPr lang="en-US" dirty="0"/>
+            <a:endParaRPr lang="en-US" altLang="nl-NL" smtClean="0"/>
           </a:p>
         </p:txBody>
       </p:sp>
@@ -3426,7 +4327,7 @@
       </p:grpSpPr>
       <p:sp>
         <p:nvSpPr>
-          <p:cNvPr id="2" name="Title 1"/>
+          <p:cNvPr id="16385" name="Title 1"/>
           <p:cNvSpPr>
             <a:spLocks noGrp="1"/>
           </p:cNvSpPr>
@@ -3434,22 +4335,26 @@
             <p:ph type="title"/>
           </p:nvPr>
         </p:nvSpPr>
-        <p:spPr/>
+        <p:spPr>
+          <a:xfrm>
+            <a:off x="457200" y="304800"/>
+            <a:ext cx="8229600" cy="1143000"/>
+          </a:xfrm>
+        </p:spPr>
         <p:txBody>
           <a:bodyPr/>
           <a:lstStyle/>
           <a:p>
             <a:r>
-              <a:rPr lang="en-US" dirty="0" smtClean="0"/>
+              <a:rPr lang="en-US" altLang="nl-NL" smtClean="0"/>
               <a:t>Repo Status (Highlights)</a:t>
             </a:r>
-            <a:endParaRPr lang="en-US" dirty="0"/>
-          </a:p>
-        </p:txBody>
-      </p:sp>
-      <p:sp>
-        <p:nvSpPr>
-          <p:cNvPr id="3" name="Content Placeholder 2"/>
+          </a:p>
+        </p:txBody>
+      </p:sp>
+      <p:sp>
+        <p:nvSpPr>
+          <p:cNvPr id="16386" name="Content Placeholder 2"/>
           <p:cNvSpPr>
             <a:spLocks noGrp="1"/>
           </p:cNvSpPr>
@@ -3457,74 +4362,100 @@
             <p:ph idx="1"/>
           </p:nvPr>
         </p:nvSpPr>
-        <p:spPr/>
-        <p:txBody>
-          <a:bodyPr>
-            <a:normAutofit/>
-          </a:bodyPr>
+        <p:spPr>
+          <a:xfrm>
+            <a:off x="457200" y="1600200"/>
+            <a:ext cx="8229600" cy="5105400"/>
+          </a:xfrm>
+        </p:spPr>
+        <p:txBody>
+          <a:bodyPr/>
           <a:lstStyle/>
           <a:p>
             <a:r>
-              <a:rPr lang="en-US" dirty="0" smtClean="0"/>
+              <a:rPr lang="en-US" altLang="nl-NL" dirty="0" smtClean="0"/>
               <a:t>Current Development</a:t>
             </a:r>
           </a:p>
           <a:p>
             <a:pPr lvl="1"/>
             <a:r>
-              <a:rPr lang="en-US" dirty="0" smtClean="0"/>
-              <a:t>Travis CI (Thanks Isaac!)</a:t>
+              <a:rPr lang="en-US" altLang="nl-NL" sz="2400" dirty="0" smtClean="0"/>
+              <a:t>Travis CI (thanks Isaac!)</a:t>
             </a:r>
           </a:p>
           <a:p>
             <a:pPr lvl="1"/>
             <a:r>
-              <a:rPr lang="en-US" dirty="0" smtClean="0"/>
-              <a:t>Fanuc Release (Thanks Gijs)</a:t>
+              <a:rPr lang="en-US" altLang="nl-NL" sz="2400" dirty="0" smtClean="0"/>
+              <a:t>Fanuc Indigo release</a:t>
             </a:r>
           </a:p>
           <a:p>
             <a:pPr lvl="1"/>
             <a:r>
-              <a:rPr lang="en-US" dirty="0" smtClean="0"/>
-              <a:t>….</a:t>
-            </a:r>
-          </a:p>
-          <a:p>
-            <a:r>
-              <a:rPr lang="en-US" dirty="0" smtClean="0"/>
+              <a:rPr lang="en-US" altLang="nl-NL" sz="2400" dirty="0" smtClean="0"/>
+              <a:t>UR support in </a:t>
+            </a:r>
+            <a:r>
+              <a:rPr lang="en-US" altLang="nl-NL" sz="2400" dirty="0" smtClean="0"/>
+              <a:t>RMI</a:t>
+            </a:r>
+          </a:p>
+          <a:p>
+            <a:pPr marL="457200" lvl="1" indent="0">
+              <a:buNone/>
+            </a:pPr>
+            <a:endParaRPr lang="en-US" altLang="nl-NL" sz="2400" dirty="0" smtClean="0"/>
+          </a:p>
+          <a:p>
+            <a:r>
+              <a:rPr lang="en-US" altLang="nl-NL" dirty="0" smtClean="0"/>
               <a:t>Upcoming Development</a:t>
             </a:r>
           </a:p>
           <a:p>
             <a:pPr lvl="1"/>
             <a:r>
-              <a:rPr lang="en-US" dirty="0" smtClean="0"/>
-              <a:t>??</a:t>
-            </a:r>
+              <a:rPr lang="en-US" altLang="nl-NL" sz="2400" dirty="0" smtClean="0"/>
+              <a:t>Jade release of </a:t>
+            </a:r>
+            <a:r>
+              <a:rPr lang="en-US" altLang="nl-NL" sz="2400" dirty="0" err="1" smtClean="0"/>
+              <a:t>industrial_core</a:t>
+            </a:r>
+            <a:endParaRPr lang="en-US" altLang="nl-NL" sz="2400" dirty="0" smtClean="0"/>
           </a:p>
           <a:p>
             <a:pPr lvl="1"/>
             <a:r>
-              <a:rPr lang="en-US" dirty="0" smtClean="0"/>
-              <a:t>??</a:t>
-            </a:r>
-          </a:p>
-          <a:p>
-            <a:r>
-              <a:rPr lang="en-US" dirty="0" smtClean="0"/>
+              <a:rPr lang="en-US" altLang="nl-NL" sz="2400" dirty="0" smtClean="0"/>
+              <a:t>Initial development </a:t>
+            </a:r>
+            <a:r>
+              <a:rPr lang="en-US" altLang="nl-NL" sz="2400" dirty="0" err="1" smtClean="0"/>
+              <a:t>Stäubli</a:t>
+            </a:r>
+            <a:r>
+              <a:rPr lang="en-US" altLang="nl-NL" sz="2400" dirty="0" smtClean="0"/>
+              <a:t> VAL3 </a:t>
+            </a:r>
+            <a:r>
+              <a:rPr lang="en-US" altLang="nl-NL" sz="2400" dirty="0" smtClean="0"/>
+              <a:t>driver</a:t>
+            </a:r>
+          </a:p>
+          <a:p>
+            <a:pPr marL="457200" lvl="1" indent="0">
+              <a:buNone/>
+            </a:pPr>
+            <a:endParaRPr lang="en-US" altLang="nl-NL" sz="2400" dirty="0" smtClean="0"/>
+          </a:p>
+          <a:p>
+            <a:r>
+              <a:rPr lang="en-US" altLang="nl-NL" dirty="0" smtClean="0"/>
               <a:t>See meeting notes for details</a:t>
             </a:r>
-          </a:p>
-          <a:p>
-            <a:pPr lvl="1"/>
-            <a:endParaRPr lang="en-US" dirty="0" smtClean="0"/>
-          </a:p>
-          <a:p>
-            <a:pPr>
-              <a:buNone/>
-            </a:pPr>
-            <a:endParaRPr lang="en-US" dirty="0"/>
           </a:p>
         </p:txBody>
       </p:sp>
@@ -3555,47 +4486,122 @@
       </p:grpSpPr>
       <p:sp>
         <p:nvSpPr>
-          <p:cNvPr id="2" name="Title 1"/>
-          <p:cNvSpPr>
-            <a:spLocks noGrp="1"/>
-          </p:cNvSpPr>
-          <p:nvPr>
-            <p:ph type="title"/>
-          </p:nvPr>
-        </p:nvSpPr>
-        <p:spPr/>
+          <p:cNvPr id="23554" name="Title 1"/>
+          <p:cNvSpPr>
+            <a:spLocks noGrp="1"/>
+          </p:cNvSpPr>
+          <p:nvPr>
+            <p:ph type="title" idx="4294967295"/>
+          </p:nvPr>
+        </p:nvSpPr>
+        <p:spPr>
+          <a:xfrm>
+            <a:off x="457200" y="304800"/>
+            <a:ext cx="8229600" cy="1066800"/>
+          </a:xfrm>
+        </p:spPr>
         <p:txBody>
           <a:bodyPr/>
           <a:lstStyle/>
           <a:p>
             <a:r>
-              <a:rPr lang="en-US" dirty="0" smtClean="0"/>
-              <a:t>Previous Action Items</a:t>
-            </a:r>
-            <a:endParaRPr lang="en-US" dirty="0"/>
-          </a:p>
-        </p:txBody>
-      </p:sp>
-      <p:sp>
-        <p:nvSpPr>
-          <p:cNvPr id="3" name="Content Placeholder 2"/>
-          <p:cNvSpPr>
-            <a:spLocks noGrp="1"/>
-          </p:cNvSpPr>
-          <p:nvPr>
-            <p:ph idx="1"/>
-          </p:nvPr>
-        </p:nvSpPr>
-        <p:spPr/>
+              <a:rPr lang="nl-NL" altLang="nl-NL" smtClean="0"/>
+              <a:t>ROS-I CI: overview</a:t>
+            </a:r>
+            <a:endParaRPr lang="en-US" altLang="nl-NL" smtClean="0"/>
+          </a:p>
+        </p:txBody>
+      </p:sp>
+      <p:sp>
+        <p:nvSpPr>
+          <p:cNvPr id="23555" name="Content Placeholder 2"/>
+          <p:cNvSpPr>
+            <a:spLocks noGrp="1"/>
+          </p:cNvSpPr>
+          <p:nvPr>
+            <p:ph idx="4294967295"/>
+          </p:nvPr>
+        </p:nvSpPr>
+        <p:spPr>
+          <a:xfrm>
+            <a:off x="457200" y="1524000"/>
+            <a:ext cx="8229600" cy="5105400"/>
+          </a:xfrm>
+        </p:spPr>
         <p:txBody>
           <a:bodyPr/>
           <a:lstStyle/>
           <a:p>
             <a:r>
-              <a:rPr lang="en-US" dirty="0" smtClean="0"/>
-              <a:t>Follow up with Canonical on ROS-Industrial App (attend community meeting for more info)</a:t>
-            </a:r>
-            <a:endParaRPr lang="en-US" dirty="0"/>
+              <a:rPr lang="en-US" altLang="nl-NL" dirty="0" smtClean="0"/>
+              <a:t>CI checks each PR if ROS-I packages:</a:t>
+            </a:r>
+          </a:p>
+          <a:p>
+            <a:pPr lvl="1"/>
+            <a:r>
+              <a:rPr lang="en-US" altLang="nl-NL" dirty="0" smtClean="0"/>
+              <a:t>build without problems</a:t>
+            </a:r>
+          </a:p>
+          <a:p>
+            <a:pPr lvl="1"/>
+            <a:r>
+              <a:rPr lang="en-US" altLang="nl-NL" dirty="0" smtClean="0"/>
+              <a:t>pass their unit tests</a:t>
+            </a:r>
+          </a:p>
+          <a:p>
+            <a:r>
+              <a:rPr lang="en-US" altLang="nl-NL" dirty="0" smtClean="0"/>
+              <a:t>For maintainers of ROS-I packages:</a:t>
+            </a:r>
+          </a:p>
+          <a:p>
+            <a:pPr lvl="1"/>
+            <a:r>
+              <a:rPr lang="en-US" altLang="nl-NL" dirty="0" smtClean="0"/>
+              <a:t>default </a:t>
+            </a:r>
+            <a:r>
+              <a:rPr lang="en-US" altLang="nl-NL" dirty="0" err="1" smtClean="0"/>
+              <a:t>config</a:t>
+            </a:r>
+            <a:r>
+              <a:rPr lang="en-US" altLang="nl-NL" dirty="0" smtClean="0"/>
+              <a:t> is readily available</a:t>
+            </a:r>
+          </a:p>
+          <a:p>
+            <a:pPr lvl="1"/>
+            <a:r>
+              <a:rPr lang="en-US" altLang="nl-NL" dirty="0" smtClean="0"/>
+              <a:t>just open a PR and the checks on Travis CI will be activated for your repo</a:t>
+            </a:r>
+          </a:p>
+          <a:p>
+            <a:r>
+              <a:rPr lang="en-US" altLang="nl-NL" dirty="0" smtClean="0"/>
+              <a:t>Example PR for </a:t>
+            </a:r>
+            <a:r>
+              <a:rPr lang="en-US" altLang="nl-NL" dirty="0" err="1" smtClean="0"/>
+              <a:t>industrial_core</a:t>
+            </a:r>
+            <a:r>
+              <a:rPr lang="en-US" altLang="nl-NL" dirty="0" smtClean="0"/>
+              <a:t>:</a:t>
+            </a:r>
+          </a:p>
+          <a:p>
+            <a:pPr lvl="1">
+              <a:buFont typeface="Arial" charset="0"/>
+              <a:buNone/>
+            </a:pPr>
+            <a:r>
+              <a:rPr lang="en-US" altLang="nl-NL" sz="2400" dirty="0" smtClean="0"/>
+              <a:t>https://github.com/ros-industrial/industrial_core/pull/126 </a:t>
+            </a:r>
           </a:p>
         </p:txBody>
       </p:sp>
@@ -3626,7 +4632,7 @@
       </p:grpSpPr>
       <p:sp>
         <p:nvSpPr>
-          <p:cNvPr id="2" name="Title 1"/>
+          <p:cNvPr id="17409" name="Title 1"/>
           <p:cNvSpPr>
             <a:spLocks noGrp="1"/>
           </p:cNvSpPr>
@@ -3640,16 +4646,15 @@
           <a:lstStyle/>
           <a:p>
             <a:r>
-              <a:rPr lang="en-US" dirty="0" smtClean="0"/>
-              <a:t>New Development</a:t>
-            </a:r>
-            <a:endParaRPr lang="en-US" dirty="0"/>
-          </a:p>
-        </p:txBody>
-      </p:sp>
-      <p:sp>
-        <p:nvSpPr>
-          <p:cNvPr id="3" name="Content Placeholder 2"/>
+              <a:rPr lang="en-US" altLang="nl-NL" smtClean="0"/>
+              <a:t>ROS-I CI: industrial_ci</a:t>
+            </a:r>
+          </a:p>
+        </p:txBody>
+      </p:sp>
+      <p:sp>
+        <p:nvSpPr>
+          <p:cNvPr id="17410" name="Content Placeholder 2"/>
           <p:cNvSpPr>
             <a:spLocks noGrp="1"/>
           </p:cNvSpPr>
@@ -3662,25 +4667,1264 @@
           <a:bodyPr/>
           <a:lstStyle/>
           <a:p>
-            <a:pPr marL="342900" lvl="1" indent="-342900">
-              <a:buFont typeface="Arial" pitchFamily="34" charset="0"/>
-              <a:buChar char="•"/>
+            <a:r>
+              <a:rPr lang="en-US" altLang="nl-NL" smtClean="0"/>
+              <a:t>Stores a set of re-usable CI configs, that can used across ROS-I repositories</a:t>
+            </a:r>
+          </a:p>
+          <a:p>
+            <a:r>
+              <a:rPr lang="en-US" altLang="nl-NL" smtClean="0"/>
+              <a:t>“Client” ROS-I repositories can “depend” on industrial_ci repo (git submodule)</a:t>
+            </a:r>
+          </a:p>
+          <a:p>
+            <a:r>
+              <a:rPr lang="en-US" altLang="nl-NL" smtClean="0"/>
+              <a:t>Currently uses Travis CI only</a:t>
+            </a:r>
+          </a:p>
+          <a:p>
+            <a:pPr>
+              <a:buFont typeface="Arial" charset="0"/>
+              <a:buNone/>
             </a:pPr>
-            <a:r>
-              <a:rPr lang="en-US" dirty="0" smtClean="0"/>
-              <a:t>Outstanding Task Discussion (REPs, PRs, etc…)</a:t>
-            </a:r>
-          </a:p>
-          <a:p>
-            <a:pPr lvl="1"/>
-            <a:r>
-              <a:rPr lang="en-US" dirty="0" smtClean="0"/>
-              <a:t>??</a:t>
-            </a:r>
-          </a:p>
-          <a:p>
-            <a:pPr lvl="1"/>
-            <a:endParaRPr lang="en-US" dirty="0"/>
+            <a:endParaRPr lang="en-US" altLang="nl-NL" smtClean="0"/>
+          </a:p>
+        </p:txBody>
+      </p:sp>
+      <p:sp>
+        <p:nvSpPr>
+          <p:cNvPr id="17412" name="Shape 63"/>
+          <p:cNvSpPr>
+            <a:spLocks noChangeArrowheads="1"/>
+          </p:cNvSpPr>
+          <p:nvPr/>
+        </p:nvSpPr>
+        <p:spPr bwMode="auto">
+          <a:xfrm>
+            <a:off x="3422650" y="4648200"/>
+            <a:ext cx="1771650" cy="360363"/>
+          </a:xfrm>
+          <a:prstGeom prst="roundRect">
+            <a:avLst>
+              <a:gd name="adj" fmla="val 16667"/>
+            </a:avLst>
+          </a:prstGeom>
+          <a:solidFill>
+            <a:srgbClr val="1155CC"/>
+          </a:solidFill>
+          <a:ln>
+            <a:noFill/>
+          </a:ln>
+          <a:extLst>
+            <a:ext uri="{91240B29-F687-4F45-9708-019B960494DF}">
+              <a14:hiddenLine xmlns:a14="http://schemas.microsoft.com/office/drawing/2010/main" w="9525">
+                <a:solidFill>
+                  <a:srgbClr val="000000"/>
+                </a:solidFill>
+                <a:round/>
+                <a:headEnd/>
+                <a:tailEnd/>
+              </a14:hiddenLine>
+            </a:ext>
+          </a:extLst>
+        </p:spPr>
+        <p:txBody>
+          <a:bodyPr lIns="91425" tIns="91425" rIns="91425" bIns="91425" anchor="ctr"/>
+          <a:lstStyle>
+            <a:lvl1pPr>
+              <a:defRPr>
+                <a:solidFill>
+                  <a:schemeClr val="tx1"/>
+                </a:solidFill>
+                <a:latin typeface="Calibri" pitchFamily="34" charset="0"/>
+                <a:cs typeface="Arial" charset="0"/>
+              </a:defRPr>
+            </a:lvl1pPr>
+            <a:lvl2pPr marL="742950" indent="-285750">
+              <a:defRPr>
+                <a:solidFill>
+                  <a:schemeClr val="tx1"/>
+                </a:solidFill>
+                <a:latin typeface="Calibri" pitchFamily="34" charset="0"/>
+                <a:cs typeface="Arial" charset="0"/>
+              </a:defRPr>
+            </a:lvl2pPr>
+            <a:lvl3pPr marL="1143000" indent="-228600">
+              <a:defRPr>
+                <a:solidFill>
+                  <a:schemeClr val="tx1"/>
+                </a:solidFill>
+                <a:latin typeface="Calibri" pitchFamily="34" charset="0"/>
+                <a:cs typeface="Arial" charset="0"/>
+              </a:defRPr>
+            </a:lvl3pPr>
+            <a:lvl4pPr marL="1600200" indent="-228600">
+              <a:defRPr>
+                <a:solidFill>
+                  <a:schemeClr val="tx1"/>
+                </a:solidFill>
+                <a:latin typeface="Calibri" pitchFamily="34" charset="0"/>
+                <a:cs typeface="Arial" charset="0"/>
+              </a:defRPr>
+            </a:lvl4pPr>
+            <a:lvl5pPr marL="2057400" indent="-228600">
+              <a:defRPr>
+                <a:solidFill>
+                  <a:schemeClr val="tx1"/>
+                </a:solidFill>
+                <a:latin typeface="Calibri" pitchFamily="34" charset="0"/>
+                <a:cs typeface="Arial" charset="0"/>
+              </a:defRPr>
+            </a:lvl5pPr>
+            <a:lvl6pPr marL="2514600" indent="-228600" fontAlgn="base">
+              <a:spcBef>
+                <a:spcPct val="0"/>
+              </a:spcBef>
+              <a:spcAft>
+                <a:spcPct val="0"/>
+              </a:spcAft>
+              <a:defRPr>
+                <a:solidFill>
+                  <a:schemeClr val="tx1"/>
+                </a:solidFill>
+                <a:latin typeface="Calibri" pitchFamily="34" charset="0"/>
+                <a:cs typeface="Arial" charset="0"/>
+              </a:defRPr>
+            </a:lvl6pPr>
+            <a:lvl7pPr marL="2971800" indent="-228600" fontAlgn="base">
+              <a:spcBef>
+                <a:spcPct val="0"/>
+              </a:spcBef>
+              <a:spcAft>
+                <a:spcPct val="0"/>
+              </a:spcAft>
+              <a:defRPr>
+                <a:solidFill>
+                  <a:schemeClr val="tx1"/>
+                </a:solidFill>
+                <a:latin typeface="Calibri" pitchFamily="34" charset="0"/>
+                <a:cs typeface="Arial" charset="0"/>
+              </a:defRPr>
+            </a:lvl7pPr>
+            <a:lvl8pPr marL="3429000" indent="-228600" fontAlgn="base">
+              <a:spcBef>
+                <a:spcPct val="0"/>
+              </a:spcBef>
+              <a:spcAft>
+                <a:spcPct val="0"/>
+              </a:spcAft>
+              <a:defRPr>
+                <a:solidFill>
+                  <a:schemeClr val="tx1"/>
+                </a:solidFill>
+                <a:latin typeface="Calibri" pitchFamily="34" charset="0"/>
+                <a:cs typeface="Arial" charset="0"/>
+              </a:defRPr>
+            </a:lvl8pPr>
+            <a:lvl9pPr marL="3886200" indent="-228600" fontAlgn="base">
+              <a:spcBef>
+                <a:spcPct val="0"/>
+              </a:spcBef>
+              <a:spcAft>
+                <a:spcPct val="0"/>
+              </a:spcAft>
+              <a:defRPr>
+                <a:solidFill>
+                  <a:schemeClr val="tx1"/>
+                </a:solidFill>
+                <a:latin typeface="Calibri" pitchFamily="34" charset="0"/>
+                <a:cs typeface="Arial" charset="0"/>
+              </a:defRPr>
+            </a:lvl9pPr>
+          </a:lstStyle>
+          <a:p>
+            <a:pPr algn="ctr"/>
+            <a:r>
+              <a:rPr lang="nl-NL" altLang="nl-NL" sz="1400">
+                <a:solidFill>
+                  <a:srgbClr val="F3F3F3"/>
+                </a:solidFill>
+                <a:latin typeface="Arial" charset="0"/>
+                <a:sym typeface="Arial" charset="0"/>
+              </a:rPr>
+              <a:t>industrial_ci</a:t>
+            </a:r>
+          </a:p>
+        </p:txBody>
+      </p:sp>
+      <p:sp>
+        <p:nvSpPr>
+          <p:cNvPr id="17413" name="Shape 64"/>
+          <p:cNvSpPr>
+            <a:spLocks noChangeArrowheads="1"/>
+          </p:cNvSpPr>
+          <p:nvPr/>
+        </p:nvSpPr>
+        <p:spPr bwMode="auto">
+          <a:xfrm>
+            <a:off x="1752600" y="5588000"/>
+            <a:ext cx="1771650" cy="360363"/>
+          </a:xfrm>
+          <a:prstGeom prst="roundRect">
+            <a:avLst>
+              <a:gd name="adj" fmla="val 16667"/>
+            </a:avLst>
+          </a:prstGeom>
+          <a:solidFill>
+            <a:srgbClr val="38761D"/>
+          </a:solidFill>
+          <a:ln>
+            <a:noFill/>
+          </a:ln>
+          <a:extLst>
+            <a:ext uri="{91240B29-F687-4F45-9708-019B960494DF}">
+              <a14:hiddenLine xmlns:a14="http://schemas.microsoft.com/office/drawing/2010/main" w="9525">
+                <a:solidFill>
+                  <a:srgbClr val="000000"/>
+                </a:solidFill>
+                <a:round/>
+                <a:headEnd/>
+                <a:tailEnd/>
+              </a14:hiddenLine>
+            </a:ext>
+          </a:extLst>
+        </p:spPr>
+        <p:txBody>
+          <a:bodyPr lIns="91425" tIns="91425" rIns="91425" bIns="91425" anchor="ctr"/>
+          <a:lstStyle>
+            <a:lvl1pPr>
+              <a:defRPr>
+                <a:solidFill>
+                  <a:schemeClr val="tx1"/>
+                </a:solidFill>
+                <a:latin typeface="Calibri" pitchFamily="34" charset="0"/>
+                <a:cs typeface="Arial" charset="0"/>
+              </a:defRPr>
+            </a:lvl1pPr>
+            <a:lvl2pPr marL="742950" indent="-285750">
+              <a:defRPr>
+                <a:solidFill>
+                  <a:schemeClr val="tx1"/>
+                </a:solidFill>
+                <a:latin typeface="Calibri" pitchFamily="34" charset="0"/>
+                <a:cs typeface="Arial" charset="0"/>
+              </a:defRPr>
+            </a:lvl2pPr>
+            <a:lvl3pPr marL="1143000" indent="-228600">
+              <a:defRPr>
+                <a:solidFill>
+                  <a:schemeClr val="tx1"/>
+                </a:solidFill>
+                <a:latin typeface="Calibri" pitchFamily="34" charset="0"/>
+                <a:cs typeface="Arial" charset="0"/>
+              </a:defRPr>
+            </a:lvl3pPr>
+            <a:lvl4pPr marL="1600200" indent="-228600">
+              <a:defRPr>
+                <a:solidFill>
+                  <a:schemeClr val="tx1"/>
+                </a:solidFill>
+                <a:latin typeface="Calibri" pitchFamily="34" charset="0"/>
+                <a:cs typeface="Arial" charset="0"/>
+              </a:defRPr>
+            </a:lvl4pPr>
+            <a:lvl5pPr marL="2057400" indent="-228600">
+              <a:defRPr>
+                <a:solidFill>
+                  <a:schemeClr val="tx1"/>
+                </a:solidFill>
+                <a:latin typeface="Calibri" pitchFamily="34" charset="0"/>
+                <a:cs typeface="Arial" charset="0"/>
+              </a:defRPr>
+            </a:lvl5pPr>
+            <a:lvl6pPr marL="2514600" indent="-228600" fontAlgn="base">
+              <a:spcBef>
+                <a:spcPct val="0"/>
+              </a:spcBef>
+              <a:spcAft>
+                <a:spcPct val="0"/>
+              </a:spcAft>
+              <a:defRPr>
+                <a:solidFill>
+                  <a:schemeClr val="tx1"/>
+                </a:solidFill>
+                <a:latin typeface="Calibri" pitchFamily="34" charset="0"/>
+                <a:cs typeface="Arial" charset="0"/>
+              </a:defRPr>
+            </a:lvl6pPr>
+            <a:lvl7pPr marL="2971800" indent="-228600" fontAlgn="base">
+              <a:spcBef>
+                <a:spcPct val="0"/>
+              </a:spcBef>
+              <a:spcAft>
+                <a:spcPct val="0"/>
+              </a:spcAft>
+              <a:defRPr>
+                <a:solidFill>
+                  <a:schemeClr val="tx1"/>
+                </a:solidFill>
+                <a:latin typeface="Calibri" pitchFamily="34" charset="0"/>
+                <a:cs typeface="Arial" charset="0"/>
+              </a:defRPr>
+            </a:lvl7pPr>
+            <a:lvl8pPr marL="3429000" indent="-228600" fontAlgn="base">
+              <a:spcBef>
+                <a:spcPct val="0"/>
+              </a:spcBef>
+              <a:spcAft>
+                <a:spcPct val="0"/>
+              </a:spcAft>
+              <a:defRPr>
+                <a:solidFill>
+                  <a:schemeClr val="tx1"/>
+                </a:solidFill>
+                <a:latin typeface="Calibri" pitchFamily="34" charset="0"/>
+                <a:cs typeface="Arial" charset="0"/>
+              </a:defRPr>
+            </a:lvl8pPr>
+            <a:lvl9pPr marL="3886200" indent="-228600" fontAlgn="base">
+              <a:spcBef>
+                <a:spcPct val="0"/>
+              </a:spcBef>
+              <a:spcAft>
+                <a:spcPct val="0"/>
+              </a:spcAft>
+              <a:defRPr>
+                <a:solidFill>
+                  <a:schemeClr val="tx1"/>
+                </a:solidFill>
+                <a:latin typeface="Calibri" pitchFamily="34" charset="0"/>
+                <a:cs typeface="Arial" charset="0"/>
+              </a:defRPr>
+            </a:lvl9pPr>
+          </a:lstStyle>
+          <a:p>
+            <a:pPr algn="ctr"/>
+            <a:r>
+              <a:rPr lang="nl-NL" altLang="nl-NL" sz="1400">
+                <a:solidFill>
+                  <a:srgbClr val="F3F3F3"/>
+                </a:solidFill>
+                <a:latin typeface="Arial" charset="0"/>
+                <a:sym typeface="Arial" charset="0"/>
+              </a:rPr>
+              <a:t>industrial_core</a:t>
+            </a:r>
+          </a:p>
+        </p:txBody>
+      </p:sp>
+      <p:cxnSp>
+        <p:nvCxnSpPr>
+          <p:cNvPr id="17414" name="Shape 65"/>
+          <p:cNvCxnSpPr>
+            <a:cxnSpLocks noChangeShapeType="1"/>
+          </p:cNvCxnSpPr>
+          <p:nvPr/>
+        </p:nvCxnSpPr>
+        <p:spPr bwMode="auto">
+          <a:xfrm rot="10800000" flipH="1">
+            <a:off x="2667000" y="5029200"/>
+            <a:ext cx="1670050" cy="579438"/>
+          </a:xfrm>
+          <a:prstGeom prst="straightConnector1">
+            <a:avLst/>
+          </a:prstGeom>
+          <a:noFill/>
+          <a:ln w="9525">
+            <a:solidFill>
+              <a:schemeClr val="tx1"/>
+            </a:solidFill>
+            <a:round/>
+            <a:headEnd type="none" w="lg" len="lg"/>
+            <a:tailEnd type="triangle" w="lg" len="lg"/>
+          </a:ln>
+          <a:extLst>
+            <a:ext uri="{909E8E84-426E-40DD-AFC4-6F175D3DCCD1}">
+              <a14:hiddenFill xmlns:a14="http://schemas.microsoft.com/office/drawing/2010/main">
+                <a:noFill/>
+              </a14:hiddenFill>
+            </a:ext>
+          </a:extLst>
+        </p:spPr>
+      </p:cxnSp>
+      <p:sp>
+        <p:nvSpPr>
+          <p:cNvPr id="17415" name="Shape 66"/>
+          <p:cNvSpPr>
+            <a:spLocks noChangeArrowheads="1"/>
+          </p:cNvSpPr>
+          <p:nvPr/>
+        </p:nvSpPr>
+        <p:spPr bwMode="auto">
+          <a:xfrm>
+            <a:off x="5688013" y="5588000"/>
+            <a:ext cx="1770062" cy="360363"/>
+          </a:xfrm>
+          <a:prstGeom prst="roundRect">
+            <a:avLst>
+              <a:gd name="adj" fmla="val 16667"/>
+            </a:avLst>
+          </a:prstGeom>
+          <a:solidFill>
+            <a:srgbClr val="38761D"/>
+          </a:solidFill>
+          <a:ln>
+            <a:noFill/>
+          </a:ln>
+          <a:extLst>
+            <a:ext uri="{91240B29-F687-4F45-9708-019B960494DF}">
+              <a14:hiddenLine xmlns:a14="http://schemas.microsoft.com/office/drawing/2010/main" w="9525">
+                <a:solidFill>
+                  <a:srgbClr val="000000"/>
+                </a:solidFill>
+                <a:round/>
+                <a:headEnd/>
+                <a:tailEnd/>
+              </a14:hiddenLine>
+            </a:ext>
+          </a:extLst>
+        </p:spPr>
+        <p:txBody>
+          <a:bodyPr lIns="91425" tIns="91425" rIns="91425" bIns="91425" anchor="ctr"/>
+          <a:lstStyle>
+            <a:lvl1pPr>
+              <a:defRPr>
+                <a:solidFill>
+                  <a:schemeClr val="tx1"/>
+                </a:solidFill>
+                <a:latin typeface="Calibri" pitchFamily="34" charset="0"/>
+                <a:cs typeface="Arial" charset="0"/>
+              </a:defRPr>
+            </a:lvl1pPr>
+            <a:lvl2pPr marL="742950" indent="-285750">
+              <a:defRPr>
+                <a:solidFill>
+                  <a:schemeClr val="tx1"/>
+                </a:solidFill>
+                <a:latin typeface="Calibri" pitchFamily="34" charset="0"/>
+                <a:cs typeface="Arial" charset="0"/>
+              </a:defRPr>
+            </a:lvl2pPr>
+            <a:lvl3pPr marL="1143000" indent="-228600">
+              <a:defRPr>
+                <a:solidFill>
+                  <a:schemeClr val="tx1"/>
+                </a:solidFill>
+                <a:latin typeface="Calibri" pitchFamily="34" charset="0"/>
+                <a:cs typeface="Arial" charset="0"/>
+              </a:defRPr>
+            </a:lvl3pPr>
+            <a:lvl4pPr marL="1600200" indent="-228600">
+              <a:defRPr>
+                <a:solidFill>
+                  <a:schemeClr val="tx1"/>
+                </a:solidFill>
+                <a:latin typeface="Calibri" pitchFamily="34" charset="0"/>
+                <a:cs typeface="Arial" charset="0"/>
+              </a:defRPr>
+            </a:lvl4pPr>
+            <a:lvl5pPr marL="2057400" indent="-228600">
+              <a:defRPr>
+                <a:solidFill>
+                  <a:schemeClr val="tx1"/>
+                </a:solidFill>
+                <a:latin typeface="Calibri" pitchFamily="34" charset="0"/>
+                <a:cs typeface="Arial" charset="0"/>
+              </a:defRPr>
+            </a:lvl5pPr>
+            <a:lvl6pPr marL="2514600" indent="-228600" fontAlgn="base">
+              <a:spcBef>
+                <a:spcPct val="0"/>
+              </a:spcBef>
+              <a:spcAft>
+                <a:spcPct val="0"/>
+              </a:spcAft>
+              <a:defRPr>
+                <a:solidFill>
+                  <a:schemeClr val="tx1"/>
+                </a:solidFill>
+                <a:latin typeface="Calibri" pitchFamily="34" charset="0"/>
+                <a:cs typeface="Arial" charset="0"/>
+              </a:defRPr>
+            </a:lvl6pPr>
+            <a:lvl7pPr marL="2971800" indent="-228600" fontAlgn="base">
+              <a:spcBef>
+                <a:spcPct val="0"/>
+              </a:spcBef>
+              <a:spcAft>
+                <a:spcPct val="0"/>
+              </a:spcAft>
+              <a:defRPr>
+                <a:solidFill>
+                  <a:schemeClr val="tx1"/>
+                </a:solidFill>
+                <a:latin typeface="Calibri" pitchFamily="34" charset="0"/>
+                <a:cs typeface="Arial" charset="0"/>
+              </a:defRPr>
+            </a:lvl7pPr>
+            <a:lvl8pPr marL="3429000" indent="-228600" fontAlgn="base">
+              <a:spcBef>
+                <a:spcPct val="0"/>
+              </a:spcBef>
+              <a:spcAft>
+                <a:spcPct val="0"/>
+              </a:spcAft>
+              <a:defRPr>
+                <a:solidFill>
+                  <a:schemeClr val="tx1"/>
+                </a:solidFill>
+                <a:latin typeface="Calibri" pitchFamily="34" charset="0"/>
+                <a:cs typeface="Arial" charset="0"/>
+              </a:defRPr>
+            </a:lvl8pPr>
+            <a:lvl9pPr marL="3886200" indent="-228600" fontAlgn="base">
+              <a:spcBef>
+                <a:spcPct val="0"/>
+              </a:spcBef>
+              <a:spcAft>
+                <a:spcPct val="0"/>
+              </a:spcAft>
+              <a:defRPr>
+                <a:solidFill>
+                  <a:schemeClr val="tx1"/>
+                </a:solidFill>
+                <a:latin typeface="Calibri" pitchFamily="34" charset="0"/>
+                <a:cs typeface="Arial" charset="0"/>
+              </a:defRPr>
+            </a:lvl9pPr>
+          </a:lstStyle>
+          <a:p>
+            <a:pPr algn="ctr"/>
+            <a:r>
+              <a:rPr lang="nl-NL" altLang="nl-NL" sz="1400">
+                <a:solidFill>
+                  <a:srgbClr val="F3F3F3"/>
+                </a:solidFill>
+                <a:latin typeface="Arial" charset="0"/>
+                <a:sym typeface="Arial" charset="0"/>
+              </a:rPr>
+              <a:t>pkg_B in another repository</a:t>
+            </a:r>
+          </a:p>
+        </p:txBody>
+      </p:sp>
+      <p:sp>
+        <p:nvSpPr>
+          <p:cNvPr id="17416" name="Shape 67"/>
+          <p:cNvSpPr>
+            <a:spLocks noChangeArrowheads="1"/>
+          </p:cNvSpPr>
+          <p:nvPr/>
+        </p:nvSpPr>
+        <p:spPr bwMode="auto">
+          <a:xfrm>
+            <a:off x="3829050" y="5740400"/>
+            <a:ext cx="1771650" cy="360363"/>
+          </a:xfrm>
+          <a:prstGeom prst="roundRect">
+            <a:avLst>
+              <a:gd name="adj" fmla="val 16667"/>
+            </a:avLst>
+          </a:prstGeom>
+          <a:solidFill>
+            <a:srgbClr val="38761D"/>
+          </a:solidFill>
+          <a:ln>
+            <a:noFill/>
+          </a:ln>
+          <a:extLst>
+            <a:ext uri="{91240B29-F687-4F45-9708-019B960494DF}">
+              <a14:hiddenLine xmlns:a14="http://schemas.microsoft.com/office/drawing/2010/main" w="9525">
+                <a:solidFill>
+                  <a:srgbClr val="000000"/>
+                </a:solidFill>
+                <a:round/>
+                <a:headEnd/>
+                <a:tailEnd/>
+              </a14:hiddenLine>
+            </a:ext>
+          </a:extLst>
+        </p:spPr>
+        <p:txBody>
+          <a:bodyPr lIns="91425" tIns="91425" rIns="91425" bIns="91425" anchor="ctr"/>
+          <a:lstStyle>
+            <a:lvl1pPr>
+              <a:defRPr>
+                <a:solidFill>
+                  <a:schemeClr val="tx1"/>
+                </a:solidFill>
+                <a:latin typeface="Calibri" pitchFamily="34" charset="0"/>
+                <a:cs typeface="Arial" charset="0"/>
+              </a:defRPr>
+            </a:lvl1pPr>
+            <a:lvl2pPr marL="742950" indent="-285750">
+              <a:defRPr>
+                <a:solidFill>
+                  <a:schemeClr val="tx1"/>
+                </a:solidFill>
+                <a:latin typeface="Calibri" pitchFamily="34" charset="0"/>
+                <a:cs typeface="Arial" charset="0"/>
+              </a:defRPr>
+            </a:lvl2pPr>
+            <a:lvl3pPr marL="1143000" indent="-228600">
+              <a:defRPr>
+                <a:solidFill>
+                  <a:schemeClr val="tx1"/>
+                </a:solidFill>
+                <a:latin typeface="Calibri" pitchFamily="34" charset="0"/>
+                <a:cs typeface="Arial" charset="0"/>
+              </a:defRPr>
+            </a:lvl3pPr>
+            <a:lvl4pPr marL="1600200" indent="-228600">
+              <a:defRPr>
+                <a:solidFill>
+                  <a:schemeClr val="tx1"/>
+                </a:solidFill>
+                <a:latin typeface="Calibri" pitchFamily="34" charset="0"/>
+                <a:cs typeface="Arial" charset="0"/>
+              </a:defRPr>
+            </a:lvl4pPr>
+            <a:lvl5pPr marL="2057400" indent="-228600">
+              <a:defRPr>
+                <a:solidFill>
+                  <a:schemeClr val="tx1"/>
+                </a:solidFill>
+                <a:latin typeface="Calibri" pitchFamily="34" charset="0"/>
+                <a:cs typeface="Arial" charset="0"/>
+              </a:defRPr>
+            </a:lvl5pPr>
+            <a:lvl6pPr marL="2514600" indent="-228600" fontAlgn="base">
+              <a:spcBef>
+                <a:spcPct val="0"/>
+              </a:spcBef>
+              <a:spcAft>
+                <a:spcPct val="0"/>
+              </a:spcAft>
+              <a:defRPr>
+                <a:solidFill>
+                  <a:schemeClr val="tx1"/>
+                </a:solidFill>
+                <a:latin typeface="Calibri" pitchFamily="34" charset="0"/>
+                <a:cs typeface="Arial" charset="0"/>
+              </a:defRPr>
+            </a:lvl6pPr>
+            <a:lvl7pPr marL="2971800" indent="-228600" fontAlgn="base">
+              <a:spcBef>
+                <a:spcPct val="0"/>
+              </a:spcBef>
+              <a:spcAft>
+                <a:spcPct val="0"/>
+              </a:spcAft>
+              <a:defRPr>
+                <a:solidFill>
+                  <a:schemeClr val="tx1"/>
+                </a:solidFill>
+                <a:latin typeface="Calibri" pitchFamily="34" charset="0"/>
+                <a:cs typeface="Arial" charset="0"/>
+              </a:defRPr>
+            </a:lvl7pPr>
+            <a:lvl8pPr marL="3429000" indent="-228600" fontAlgn="base">
+              <a:spcBef>
+                <a:spcPct val="0"/>
+              </a:spcBef>
+              <a:spcAft>
+                <a:spcPct val="0"/>
+              </a:spcAft>
+              <a:defRPr>
+                <a:solidFill>
+                  <a:schemeClr val="tx1"/>
+                </a:solidFill>
+                <a:latin typeface="Calibri" pitchFamily="34" charset="0"/>
+                <a:cs typeface="Arial" charset="0"/>
+              </a:defRPr>
+            </a:lvl8pPr>
+            <a:lvl9pPr marL="3886200" indent="-228600" fontAlgn="base">
+              <a:spcBef>
+                <a:spcPct val="0"/>
+              </a:spcBef>
+              <a:spcAft>
+                <a:spcPct val="0"/>
+              </a:spcAft>
+              <a:defRPr>
+                <a:solidFill>
+                  <a:schemeClr val="tx1"/>
+                </a:solidFill>
+                <a:latin typeface="Calibri" pitchFamily="34" charset="0"/>
+                <a:cs typeface="Arial" charset="0"/>
+              </a:defRPr>
+            </a:lvl9pPr>
+          </a:lstStyle>
+          <a:p>
+            <a:pPr algn="ctr"/>
+            <a:r>
+              <a:rPr lang="nl-NL" altLang="nl-NL" sz="1400">
+                <a:solidFill>
+                  <a:srgbClr val="F3F3F3"/>
+                </a:solidFill>
+                <a:latin typeface="Arial" charset="0"/>
+                <a:sym typeface="Arial" charset="0"/>
+              </a:rPr>
+              <a:t>pkg_A in ros_industrial</a:t>
+            </a:r>
+          </a:p>
+        </p:txBody>
+      </p:sp>
+      <p:cxnSp>
+        <p:nvCxnSpPr>
+          <p:cNvPr id="17417" name="Shape 68"/>
+          <p:cNvCxnSpPr>
+            <a:cxnSpLocks noChangeShapeType="1"/>
+          </p:cNvCxnSpPr>
+          <p:nvPr/>
+        </p:nvCxnSpPr>
+        <p:spPr bwMode="auto">
+          <a:xfrm rot="10800000">
+            <a:off x="4343400" y="5029200"/>
+            <a:ext cx="406400" cy="731838"/>
+          </a:xfrm>
+          <a:prstGeom prst="straightConnector1">
+            <a:avLst/>
+          </a:prstGeom>
+          <a:noFill/>
+          <a:ln w="9525">
+            <a:solidFill>
+              <a:schemeClr val="tx1"/>
+            </a:solidFill>
+            <a:round/>
+            <a:headEnd type="none" w="lg" len="lg"/>
+            <a:tailEnd type="triangle" w="lg" len="lg"/>
+          </a:ln>
+          <a:extLst>
+            <a:ext uri="{909E8E84-426E-40DD-AFC4-6F175D3DCCD1}">
+              <a14:hiddenFill xmlns:a14="http://schemas.microsoft.com/office/drawing/2010/main">
+                <a:noFill/>
+              </a14:hiddenFill>
+            </a:ext>
+          </a:extLst>
+        </p:spPr>
+      </p:cxnSp>
+      <p:cxnSp>
+        <p:nvCxnSpPr>
+          <p:cNvPr id="17418" name="Shape 69"/>
+          <p:cNvCxnSpPr>
+            <a:cxnSpLocks noChangeShapeType="1"/>
+          </p:cNvCxnSpPr>
+          <p:nvPr/>
+        </p:nvCxnSpPr>
+        <p:spPr bwMode="auto">
+          <a:xfrm rot="10800000">
+            <a:off x="4343400" y="5029200"/>
+            <a:ext cx="2263775" cy="579438"/>
+          </a:xfrm>
+          <a:prstGeom prst="straightConnector1">
+            <a:avLst/>
+          </a:prstGeom>
+          <a:noFill/>
+          <a:ln w="9525">
+            <a:solidFill>
+              <a:schemeClr val="tx1"/>
+            </a:solidFill>
+            <a:round/>
+            <a:headEnd type="none" w="lg" len="lg"/>
+            <a:tailEnd type="triangle" w="lg" len="lg"/>
+          </a:ln>
+          <a:extLst>
+            <a:ext uri="{909E8E84-426E-40DD-AFC4-6F175D3DCCD1}">
+              <a14:hiddenFill xmlns:a14="http://schemas.microsoft.com/office/drawing/2010/main">
+                <a:noFill/>
+              </a14:hiddenFill>
+            </a:ext>
+          </a:extLst>
+        </p:spPr>
+      </p:cxnSp>
+      <p:sp>
+        <p:nvSpPr>
+          <p:cNvPr id="17419" name="Shape 70"/>
+          <p:cNvSpPr txBox="1">
+            <a:spLocks noChangeArrowheads="1"/>
+          </p:cNvSpPr>
+          <p:nvPr/>
+        </p:nvSpPr>
+        <p:spPr bwMode="auto">
+          <a:xfrm>
+            <a:off x="2592388" y="5118100"/>
+            <a:ext cx="873125" cy="360363"/>
+          </a:xfrm>
+          <a:prstGeom prst="rect">
+            <a:avLst/>
+          </a:prstGeom>
+          <a:noFill/>
+          <a:ln>
+            <a:noFill/>
+          </a:ln>
+          <a:extLst>
+            <a:ext uri="{909E8E84-426E-40DD-AFC4-6F175D3DCCD1}">
+              <a14:hiddenFill xmlns:a14="http://schemas.microsoft.com/office/drawing/2010/main">
+                <a:solidFill>
+                  <a:srgbClr val="FFFFFF"/>
+                </a:solidFill>
+              </a14:hiddenFill>
+            </a:ext>
+            <a:ext uri="{91240B29-F687-4F45-9708-019B960494DF}">
+              <a14:hiddenLine xmlns:a14="http://schemas.microsoft.com/office/drawing/2010/main" w="9525">
+                <a:solidFill>
+                  <a:srgbClr val="000000"/>
+                </a:solidFill>
+                <a:miter lim="800000"/>
+                <a:headEnd/>
+                <a:tailEnd/>
+              </a14:hiddenLine>
+            </a:ext>
+          </a:extLst>
+        </p:spPr>
+        <p:txBody>
+          <a:bodyPr lIns="91425" tIns="91425" rIns="91425" bIns="91425"/>
+          <a:lstStyle>
+            <a:lvl1pPr>
+              <a:defRPr>
+                <a:solidFill>
+                  <a:schemeClr val="tx1"/>
+                </a:solidFill>
+                <a:latin typeface="Calibri" pitchFamily="34" charset="0"/>
+                <a:cs typeface="Arial" charset="0"/>
+              </a:defRPr>
+            </a:lvl1pPr>
+            <a:lvl2pPr marL="742950" indent="-285750">
+              <a:defRPr>
+                <a:solidFill>
+                  <a:schemeClr val="tx1"/>
+                </a:solidFill>
+                <a:latin typeface="Calibri" pitchFamily="34" charset="0"/>
+                <a:cs typeface="Arial" charset="0"/>
+              </a:defRPr>
+            </a:lvl2pPr>
+            <a:lvl3pPr marL="1143000" indent="-228600">
+              <a:defRPr>
+                <a:solidFill>
+                  <a:schemeClr val="tx1"/>
+                </a:solidFill>
+                <a:latin typeface="Calibri" pitchFamily="34" charset="0"/>
+                <a:cs typeface="Arial" charset="0"/>
+              </a:defRPr>
+            </a:lvl3pPr>
+            <a:lvl4pPr marL="1600200" indent="-228600">
+              <a:defRPr>
+                <a:solidFill>
+                  <a:schemeClr val="tx1"/>
+                </a:solidFill>
+                <a:latin typeface="Calibri" pitchFamily="34" charset="0"/>
+                <a:cs typeface="Arial" charset="0"/>
+              </a:defRPr>
+            </a:lvl4pPr>
+            <a:lvl5pPr marL="2057400" indent="-228600">
+              <a:defRPr>
+                <a:solidFill>
+                  <a:schemeClr val="tx1"/>
+                </a:solidFill>
+                <a:latin typeface="Calibri" pitchFamily="34" charset="0"/>
+                <a:cs typeface="Arial" charset="0"/>
+              </a:defRPr>
+            </a:lvl5pPr>
+            <a:lvl6pPr marL="2514600" indent="-228600" fontAlgn="base">
+              <a:spcBef>
+                <a:spcPct val="0"/>
+              </a:spcBef>
+              <a:spcAft>
+                <a:spcPct val="0"/>
+              </a:spcAft>
+              <a:defRPr>
+                <a:solidFill>
+                  <a:schemeClr val="tx1"/>
+                </a:solidFill>
+                <a:latin typeface="Calibri" pitchFamily="34" charset="0"/>
+                <a:cs typeface="Arial" charset="0"/>
+              </a:defRPr>
+            </a:lvl6pPr>
+            <a:lvl7pPr marL="2971800" indent="-228600" fontAlgn="base">
+              <a:spcBef>
+                <a:spcPct val="0"/>
+              </a:spcBef>
+              <a:spcAft>
+                <a:spcPct val="0"/>
+              </a:spcAft>
+              <a:defRPr>
+                <a:solidFill>
+                  <a:schemeClr val="tx1"/>
+                </a:solidFill>
+                <a:latin typeface="Calibri" pitchFamily="34" charset="0"/>
+                <a:cs typeface="Arial" charset="0"/>
+              </a:defRPr>
+            </a:lvl7pPr>
+            <a:lvl8pPr marL="3429000" indent="-228600" fontAlgn="base">
+              <a:spcBef>
+                <a:spcPct val="0"/>
+              </a:spcBef>
+              <a:spcAft>
+                <a:spcPct val="0"/>
+              </a:spcAft>
+              <a:defRPr>
+                <a:solidFill>
+                  <a:schemeClr val="tx1"/>
+                </a:solidFill>
+                <a:latin typeface="Calibri" pitchFamily="34" charset="0"/>
+                <a:cs typeface="Arial" charset="0"/>
+              </a:defRPr>
+            </a:lvl8pPr>
+            <a:lvl9pPr marL="3886200" indent="-228600" fontAlgn="base">
+              <a:spcBef>
+                <a:spcPct val="0"/>
+              </a:spcBef>
+              <a:spcAft>
+                <a:spcPct val="0"/>
+              </a:spcAft>
+              <a:defRPr>
+                <a:solidFill>
+                  <a:schemeClr val="tx1"/>
+                </a:solidFill>
+                <a:latin typeface="Calibri" pitchFamily="34" charset="0"/>
+                <a:cs typeface="Arial" charset="0"/>
+              </a:defRPr>
+            </a:lvl9pPr>
+          </a:lstStyle>
+          <a:p>
+            <a:r>
+              <a:rPr lang="nl-NL" altLang="nl-NL" sz="1400">
+                <a:solidFill>
+                  <a:srgbClr val="000000"/>
+                </a:solidFill>
+                <a:latin typeface="Arial" charset="0"/>
+                <a:sym typeface="Arial" charset="0"/>
+              </a:rPr>
+              <a:t>uses</a:t>
+            </a:r>
+          </a:p>
+        </p:txBody>
+      </p:sp>
+      <p:sp>
+        <p:nvSpPr>
+          <p:cNvPr id="17420" name="Shape 71"/>
+          <p:cNvSpPr txBox="1">
+            <a:spLocks noChangeArrowheads="1"/>
+          </p:cNvSpPr>
+          <p:nvPr/>
+        </p:nvSpPr>
+        <p:spPr bwMode="auto">
+          <a:xfrm>
+            <a:off x="3986213" y="5194300"/>
+            <a:ext cx="873125" cy="360363"/>
+          </a:xfrm>
+          <a:prstGeom prst="rect">
+            <a:avLst/>
+          </a:prstGeom>
+          <a:noFill/>
+          <a:ln>
+            <a:noFill/>
+          </a:ln>
+          <a:extLst>
+            <a:ext uri="{909E8E84-426E-40DD-AFC4-6F175D3DCCD1}">
+              <a14:hiddenFill xmlns:a14="http://schemas.microsoft.com/office/drawing/2010/main">
+                <a:solidFill>
+                  <a:srgbClr val="FFFFFF"/>
+                </a:solidFill>
+              </a14:hiddenFill>
+            </a:ext>
+            <a:ext uri="{91240B29-F687-4F45-9708-019B960494DF}">
+              <a14:hiddenLine xmlns:a14="http://schemas.microsoft.com/office/drawing/2010/main" w="9525">
+                <a:solidFill>
+                  <a:srgbClr val="000000"/>
+                </a:solidFill>
+                <a:miter lim="800000"/>
+                <a:headEnd/>
+                <a:tailEnd/>
+              </a14:hiddenLine>
+            </a:ext>
+          </a:extLst>
+        </p:spPr>
+        <p:txBody>
+          <a:bodyPr lIns="91425" tIns="91425" rIns="91425" bIns="91425"/>
+          <a:lstStyle>
+            <a:lvl1pPr>
+              <a:defRPr>
+                <a:solidFill>
+                  <a:schemeClr val="tx1"/>
+                </a:solidFill>
+                <a:latin typeface="Calibri" pitchFamily="34" charset="0"/>
+                <a:cs typeface="Arial" charset="0"/>
+              </a:defRPr>
+            </a:lvl1pPr>
+            <a:lvl2pPr marL="742950" indent="-285750">
+              <a:defRPr>
+                <a:solidFill>
+                  <a:schemeClr val="tx1"/>
+                </a:solidFill>
+                <a:latin typeface="Calibri" pitchFamily="34" charset="0"/>
+                <a:cs typeface="Arial" charset="0"/>
+              </a:defRPr>
+            </a:lvl2pPr>
+            <a:lvl3pPr marL="1143000" indent="-228600">
+              <a:defRPr>
+                <a:solidFill>
+                  <a:schemeClr val="tx1"/>
+                </a:solidFill>
+                <a:latin typeface="Calibri" pitchFamily="34" charset="0"/>
+                <a:cs typeface="Arial" charset="0"/>
+              </a:defRPr>
+            </a:lvl3pPr>
+            <a:lvl4pPr marL="1600200" indent="-228600">
+              <a:defRPr>
+                <a:solidFill>
+                  <a:schemeClr val="tx1"/>
+                </a:solidFill>
+                <a:latin typeface="Calibri" pitchFamily="34" charset="0"/>
+                <a:cs typeface="Arial" charset="0"/>
+              </a:defRPr>
+            </a:lvl4pPr>
+            <a:lvl5pPr marL="2057400" indent="-228600">
+              <a:defRPr>
+                <a:solidFill>
+                  <a:schemeClr val="tx1"/>
+                </a:solidFill>
+                <a:latin typeface="Calibri" pitchFamily="34" charset="0"/>
+                <a:cs typeface="Arial" charset="0"/>
+              </a:defRPr>
+            </a:lvl5pPr>
+            <a:lvl6pPr marL="2514600" indent="-228600" fontAlgn="base">
+              <a:spcBef>
+                <a:spcPct val="0"/>
+              </a:spcBef>
+              <a:spcAft>
+                <a:spcPct val="0"/>
+              </a:spcAft>
+              <a:defRPr>
+                <a:solidFill>
+                  <a:schemeClr val="tx1"/>
+                </a:solidFill>
+                <a:latin typeface="Calibri" pitchFamily="34" charset="0"/>
+                <a:cs typeface="Arial" charset="0"/>
+              </a:defRPr>
+            </a:lvl6pPr>
+            <a:lvl7pPr marL="2971800" indent="-228600" fontAlgn="base">
+              <a:spcBef>
+                <a:spcPct val="0"/>
+              </a:spcBef>
+              <a:spcAft>
+                <a:spcPct val="0"/>
+              </a:spcAft>
+              <a:defRPr>
+                <a:solidFill>
+                  <a:schemeClr val="tx1"/>
+                </a:solidFill>
+                <a:latin typeface="Calibri" pitchFamily="34" charset="0"/>
+                <a:cs typeface="Arial" charset="0"/>
+              </a:defRPr>
+            </a:lvl7pPr>
+            <a:lvl8pPr marL="3429000" indent="-228600" fontAlgn="base">
+              <a:spcBef>
+                <a:spcPct val="0"/>
+              </a:spcBef>
+              <a:spcAft>
+                <a:spcPct val="0"/>
+              </a:spcAft>
+              <a:defRPr>
+                <a:solidFill>
+                  <a:schemeClr val="tx1"/>
+                </a:solidFill>
+                <a:latin typeface="Calibri" pitchFamily="34" charset="0"/>
+                <a:cs typeface="Arial" charset="0"/>
+              </a:defRPr>
+            </a:lvl8pPr>
+            <a:lvl9pPr marL="3886200" indent="-228600" fontAlgn="base">
+              <a:spcBef>
+                <a:spcPct val="0"/>
+              </a:spcBef>
+              <a:spcAft>
+                <a:spcPct val="0"/>
+              </a:spcAft>
+              <a:defRPr>
+                <a:solidFill>
+                  <a:schemeClr val="tx1"/>
+                </a:solidFill>
+                <a:latin typeface="Calibri" pitchFamily="34" charset="0"/>
+                <a:cs typeface="Arial" charset="0"/>
+              </a:defRPr>
+            </a:lvl9pPr>
+          </a:lstStyle>
+          <a:p>
+            <a:r>
+              <a:rPr lang="nl-NL" altLang="nl-NL" sz="1400">
+                <a:solidFill>
+                  <a:srgbClr val="000000"/>
+                </a:solidFill>
+                <a:latin typeface="Arial" charset="0"/>
+                <a:sym typeface="Arial" charset="0"/>
+              </a:rPr>
+              <a:t>uses</a:t>
+            </a:r>
+          </a:p>
+        </p:txBody>
+      </p:sp>
+      <p:sp>
+        <p:nvSpPr>
+          <p:cNvPr id="17421" name="Shape 72"/>
+          <p:cNvSpPr txBox="1">
+            <a:spLocks noChangeArrowheads="1"/>
+          </p:cNvSpPr>
+          <p:nvPr/>
+        </p:nvSpPr>
+        <p:spPr bwMode="auto">
+          <a:xfrm>
+            <a:off x="5302250" y="5118100"/>
+            <a:ext cx="873125" cy="360363"/>
+          </a:xfrm>
+          <a:prstGeom prst="rect">
+            <a:avLst/>
+          </a:prstGeom>
+          <a:noFill/>
+          <a:ln>
+            <a:noFill/>
+          </a:ln>
+          <a:extLst>
+            <a:ext uri="{909E8E84-426E-40DD-AFC4-6F175D3DCCD1}">
+              <a14:hiddenFill xmlns:a14="http://schemas.microsoft.com/office/drawing/2010/main">
+                <a:solidFill>
+                  <a:srgbClr val="FFFFFF"/>
+                </a:solidFill>
+              </a14:hiddenFill>
+            </a:ext>
+            <a:ext uri="{91240B29-F687-4F45-9708-019B960494DF}">
+              <a14:hiddenLine xmlns:a14="http://schemas.microsoft.com/office/drawing/2010/main" w="9525">
+                <a:solidFill>
+                  <a:srgbClr val="000000"/>
+                </a:solidFill>
+                <a:miter lim="800000"/>
+                <a:headEnd/>
+                <a:tailEnd/>
+              </a14:hiddenLine>
+            </a:ext>
+          </a:extLst>
+        </p:spPr>
+        <p:txBody>
+          <a:bodyPr lIns="91425" tIns="91425" rIns="91425" bIns="91425"/>
+          <a:lstStyle>
+            <a:lvl1pPr>
+              <a:defRPr>
+                <a:solidFill>
+                  <a:schemeClr val="tx1"/>
+                </a:solidFill>
+                <a:latin typeface="Calibri" pitchFamily="34" charset="0"/>
+                <a:cs typeface="Arial" charset="0"/>
+              </a:defRPr>
+            </a:lvl1pPr>
+            <a:lvl2pPr marL="742950" indent="-285750">
+              <a:defRPr>
+                <a:solidFill>
+                  <a:schemeClr val="tx1"/>
+                </a:solidFill>
+                <a:latin typeface="Calibri" pitchFamily="34" charset="0"/>
+                <a:cs typeface="Arial" charset="0"/>
+              </a:defRPr>
+            </a:lvl2pPr>
+            <a:lvl3pPr marL="1143000" indent="-228600">
+              <a:defRPr>
+                <a:solidFill>
+                  <a:schemeClr val="tx1"/>
+                </a:solidFill>
+                <a:latin typeface="Calibri" pitchFamily="34" charset="0"/>
+                <a:cs typeface="Arial" charset="0"/>
+              </a:defRPr>
+            </a:lvl3pPr>
+            <a:lvl4pPr marL="1600200" indent="-228600">
+              <a:defRPr>
+                <a:solidFill>
+                  <a:schemeClr val="tx1"/>
+                </a:solidFill>
+                <a:latin typeface="Calibri" pitchFamily="34" charset="0"/>
+                <a:cs typeface="Arial" charset="0"/>
+              </a:defRPr>
+            </a:lvl4pPr>
+            <a:lvl5pPr marL="2057400" indent="-228600">
+              <a:defRPr>
+                <a:solidFill>
+                  <a:schemeClr val="tx1"/>
+                </a:solidFill>
+                <a:latin typeface="Calibri" pitchFamily="34" charset="0"/>
+                <a:cs typeface="Arial" charset="0"/>
+              </a:defRPr>
+            </a:lvl5pPr>
+            <a:lvl6pPr marL="2514600" indent="-228600" fontAlgn="base">
+              <a:spcBef>
+                <a:spcPct val="0"/>
+              </a:spcBef>
+              <a:spcAft>
+                <a:spcPct val="0"/>
+              </a:spcAft>
+              <a:defRPr>
+                <a:solidFill>
+                  <a:schemeClr val="tx1"/>
+                </a:solidFill>
+                <a:latin typeface="Calibri" pitchFamily="34" charset="0"/>
+                <a:cs typeface="Arial" charset="0"/>
+              </a:defRPr>
+            </a:lvl6pPr>
+            <a:lvl7pPr marL="2971800" indent="-228600" fontAlgn="base">
+              <a:spcBef>
+                <a:spcPct val="0"/>
+              </a:spcBef>
+              <a:spcAft>
+                <a:spcPct val="0"/>
+              </a:spcAft>
+              <a:defRPr>
+                <a:solidFill>
+                  <a:schemeClr val="tx1"/>
+                </a:solidFill>
+                <a:latin typeface="Calibri" pitchFamily="34" charset="0"/>
+                <a:cs typeface="Arial" charset="0"/>
+              </a:defRPr>
+            </a:lvl7pPr>
+            <a:lvl8pPr marL="3429000" indent="-228600" fontAlgn="base">
+              <a:spcBef>
+                <a:spcPct val="0"/>
+              </a:spcBef>
+              <a:spcAft>
+                <a:spcPct val="0"/>
+              </a:spcAft>
+              <a:defRPr>
+                <a:solidFill>
+                  <a:schemeClr val="tx1"/>
+                </a:solidFill>
+                <a:latin typeface="Calibri" pitchFamily="34" charset="0"/>
+                <a:cs typeface="Arial" charset="0"/>
+              </a:defRPr>
+            </a:lvl8pPr>
+            <a:lvl9pPr marL="3886200" indent="-228600" fontAlgn="base">
+              <a:spcBef>
+                <a:spcPct val="0"/>
+              </a:spcBef>
+              <a:spcAft>
+                <a:spcPct val="0"/>
+              </a:spcAft>
+              <a:defRPr>
+                <a:solidFill>
+                  <a:schemeClr val="tx1"/>
+                </a:solidFill>
+                <a:latin typeface="Calibri" pitchFamily="34" charset="0"/>
+                <a:cs typeface="Arial" charset="0"/>
+              </a:defRPr>
+            </a:lvl9pPr>
+          </a:lstStyle>
+          <a:p>
+            <a:r>
+              <a:rPr lang="nl-NL" altLang="nl-NL" sz="1400">
+                <a:solidFill>
+                  <a:srgbClr val="000000"/>
+                </a:solidFill>
+                <a:latin typeface="Arial" charset="0"/>
+                <a:sym typeface="Arial" charset="0"/>
+              </a:rPr>
+              <a:t>uses</a:t>
+            </a:r>
           </a:p>
         </p:txBody>
       </p:sp>
@@ -3711,12 +5955,39 @@
       </p:grpSpPr>
       <p:sp>
         <p:nvSpPr>
-          <p:cNvPr id="2" name="Title 1"/>
-          <p:cNvSpPr>
-            <a:spLocks noGrp="1"/>
-          </p:cNvSpPr>
-          <p:nvPr>
-            <p:ph type="title"/>
+          <p:cNvPr id="25602" name="Title 1"/>
+          <p:cNvSpPr>
+            <a:spLocks noGrp="1"/>
+          </p:cNvSpPr>
+          <p:nvPr>
+            <p:ph type="title" idx="4294967295"/>
+          </p:nvPr>
+        </p:nvSpPr>
+        <p:spPr>
+          <a:xfrm>
+            <a:off x="457200" y="274638"/>
+            <a:ext cx="8229600" cy="1249362"/>
+          </a:xfrm>
+        </p:spPr>
+        <p:txBody>
+          <a:bodyPr/>
+          <a:lstStyle/>
+          <a:p>
+            <a:r>
+              <a:rPr lang="en-US" altLang="nl-NL" smtClean="0"/>
+              <a:t>ROS-I CI: Support, maintenance</a:t>
+            </a:r>
+          </a:p>
+        </p:txBody>
+      </p:sp>
+      <p:sp>
+        <p:nvSpPr>
+          <p:cNvPr id="25603" name="Content Placeholder 2"/>
+          <p:cNvSpPr>
+            <a:spLocks noGrp="1"/>
+          </p:cNvSpPr>
+          <p:nvPr>
+            <p:ph idx="4294967295"/>
           </p:nvPr>
         </p:nvSpPr>
         <p:spPr/>
@@ -3725,44 +5996,50 @@
           <a:lstStyle/>
           <a:p>
             <a:r>
-              <a:rPr lang="en-US" dirty="0" smtClean="0"/>
-              <a:t>New Development</a:t>
-            </a:r>
-            <a:endParaRPr lang="en-US" dirty="0"/>
-          </a:p>
-        </p:txBody>
-      </p:sp>
-      <p:sp>
-        <p:nvSpPr>
-          <p:cNvPr id="3" name="Content Placeholder 2"/>
-          <p:cNvSpPr>
-            <a:spLocks noGrp="1"/>
-          </p:cNvSpPr>
-          <p:nvPr>
-            <p:ph idx="1"/>
-          </p:nvPr>
-        </p:nvSpPr>
-        <p:spPr/>
-        <p:txBody>
-          <a:bodyPr/>
-          <a:lstStyle/>
-          <a:p>
-            <a:pPr marL="342900" lvl="1" indent="-342900">
-              <a:buFont typeface="Arial" pitchFamily="34" charset="0"/>
-              <a:buChar char="•"/>
+              <a:rPr lang="en-US" altLang="nl-NL" smtClean="0"/>
+              <a:t>It’s your choice if you add CI feature to your repo</a:t>
+            </a:r>
+          </a:p>
+          <a:p>
+            <a:r>
+              <a:rPr lang="en-US" altLang="nl-NL" smtClean="0"/>
+              <a:t>Writing unit tests is even more encouraged with CI</a:t>
+            </a:r>
+          </a:p>
+          <a:p>
+            <a:r>
+              <a:rPr lang="en-US" altLang="nl-NL" smtClean="0"/>
+              <a:t>Discussion, requests:</a:t>
+            </a:r>
+          </a:p>
+          <a:p>
+            <a:pPr lvl="1"/>
+            <a:r>
+              <a:rPr lang="en-US" altLang="nl-NL" smtClean="0"/>
+              <a:t>issue tracker on github (</a:t>
+            </a:r>
+            <a:r>
+              <a:rPr lang="en-US" altLang="nl-NL" sz="1800" smtClean="0"/>
+              <a:t>ros-industrial/industrial_ci/issues</a:t>
+            </a:r>
+            <a:r>
+              <a:rPr lang="en-US" altLang="nl-NL" smtClean="0"/>
+              <a:t>)</a:t>
+            </a:r>
+          </a:p>
+          <a:p>
+            <a:pPr lvl="1"/>
+            <a:r>
+              <a:rPr lang="en-US" altLang="nl-NL" smtClean="0"/>
+              <a:t>Mailing list (swri-ros-dev)?</a:t>
+            </a:r>
+          </a:p>
+          <a:p>
+            <a:pPr>
+              <a:buFont typeface="Arial" charset="0"/>
+              <a:buNone/>
             </a:pPr>
-            <a:r>
-              <a:rPr lang="en-US" dirty="0" smtClean="0"/>
-              <a:t>ROS OPC UA</a:t>
-            </a:r>
-          </a:p>
-          <a:p>
-            <a:pPr lvl="1"/>
-            <a:r>
-              <a:rPr lang="en-US" dirty="0" smtClean="0"/>
-              <a:t>??</a:t>
-            </a:r>
-            <a:endParaRPr lang="en-US" dirty="0"/>
+            <a:endParaRPr lang="en-US" altLang="nl-NL" smtClean="0"/>
           </a:p>
         </p:txBody>
       </p:sp>
@@ -3793,12 +6070,12 @@
       </p:grpSpPr>
       <p:sp>
         <p:nvSpPr>
-          <p:cNvPr id="2" name="Title 1"/>
-          <p:cNvSpPr>
-            <a:spLocks noGrp="1"/>
-          </p:cNvSpPr>
-          <p:nvPr>
-            <p:ph type="title"/>
+          <p:cNvPr id="24578" name="Title 1"/>
+          <p:cNvSpPr>
+            <a:spLocks noGrp="1"/>
+          </p:cNvSpPr>
+          <p:nvPr>
+            <p:ph type="title" idx="4294967295"/>
           </p:nvPr>
         </p:nvSpPr>
         <p:spPr/>
@@ -3807,21 +6084,20 @@
           <a:lstStyle/>
           <a:p>
             <a:r>
-              <a:rPr lang="en-US" dirty="0" smtClean="0"/>
-              <a:t>New Development</a:t>
-            </a:r>
-            <a:endParaRPr lang="en-US" dirty="0"/>
-          </a:p>
-        </p:txBody>
-      </p:sp>
-      <p:sp>
-        <p:nvSpPr>
-          <p:cNvPr id="3" name="Content Placeholder 2"/>
-          <p:cNvSpPr>
-            <a:spLocks noGrp="1"/>
-          </p:cNvSpPr>
-          <p:nvPr>
-            <p:ph idx="1"/>
+              <a:rPr lang="en-US" altLang="nl-NL" smtClean="0"/>
+              <a:t>Previous Action Items</a:t>
+            </a:r>
+          </a:p>
+        </p:txBody>
+      </p:sp>
+      <p:sp>
+        <p:nvSpPr>
+          <p:cNvPr id="24579" name="Content Placeholder 2"/>
+          <p:cNvSpPr>
+            <a:spLocks noGrp="1"/>
+          </p:cNvSpPr>
+          <p:nvPr>
+            <p:ph idx="4294967295"/>
           </p:nvPr>
         </p:nvSpPr>
         <p:spPr/>
@@ -3830,17 +6106,9 @@
           <a:lstStyle/>
           <a:p>
             <a:r>
-              <a:rPr lang="en-US" dirty="0" smtClean="0"/>
-              <a:t>ROS 2.0</a:t>
-            </a:r>
-          </a:p>
-          <a:p>
-            <a:pPr lvl="1"/>
-            <a:r>
-              <a:rPr lang="en-US" dirty="0" smtClean="0"/>
-              <a:t>Is anybody and ROS-I community participating?</a:t>
-            </a:r>
-            <a:endParaRPr lang="en-US" dirty="0"/>
+              <a:rPr lang="en-US" altLang="nl-NL" smtClean="0"/>
+              <a:t>Follow up with Canonical on ROS-Industrial App (attend community meeting for more info)</a:t>
+            </a:r>
           </a:p>
         </p:txBody>
       </p:sp>
@@ -3871,7 +6139,7 @@
       </p:grpSpPr>
       <p:sp>
         <p:nvSpPr>
-          <p:cNvPr id="2" name="Title 1"/>
+          <p:cNvPr id="18433" name="Title 1"/>
           <p:cNvSpPr>
             <a:spLocks noGrp="1"/>
           </p:cNvSpPr>
@@ -3885,10 +6153,9 @@
           <a:lstStyle/>
           <a:p>
             <a:r>
-              <a:rPr lang="en-US" dirty="0" smtClean="0"/>
-              <a:t>Announcements</a:t>
-            </a:r>
-            <a:endParaRPr lang="en-US" dirty="0"/>
+              <a:rPr lang="en-US" altLang="nl-NL" smtClean="0"/>
+              <a:t>New Development</a:t>
+            </a:r>
           </a:p>
         </p:txBody>
       </p:sp>
@@ -3904,30 +6171,37 @@
         </p:nvSpPr>
         <p:spPr/>
         <p:txBody>
-          <a:bodyPr/>
+          <a:bodyPr>
+            <a:normAutofit/>
+          </a:bodyPr>
           <a:lstStyle/>
           <a:p>
-            <a:r>
-              <a:rPr lang="en-US" dirty="0" smtClean="0"/>
-              <a:t>ROS-I Community Meeting - </a:t>
-            </a:r>
-            <a:r>
-              <a:rPr lang="en-US" dirty="0" smtClean="0">
-                <a:hlinkClick r:id="rId2"/>
-              </a:rPr>
-              <a:t>http://rosindustrial.org/events/2015/12/14/ros-i-community-meeting-at-robouniverse-san-diego</a:t>
-            </a:r>
-            <a:r>
-              <a:rPr lang="en-US" dirty="0" smtClean="0"/>
-              <a:t> </a:t>
-            </a:r>
-          </a:p>
-          <a:p>
-            <a:r>
-              <a:rPr lang="en-US" dirty="0" smtClean="0"/>
-              <a:t>??</a:t>
-            </a:r>
-            <a:endParaRPr lang="en-US" dirty="0"/>
+            <a:pPr marL="342900" lvl="1" indent="-342900">
+              <a:buFont typeface="Arial" charset="0"/>
+              <a:buChar char="•"/>
+            </a:pPr>
+            <a:r>
+              <a:rPr lang="en-US" altLang="nl-NL" dirty="0" smtClean="0"/>
+              <a:t>Outstanding Task Discussion (REPs, PRs, </a:t>
+            </a:r>
+            <a:r>
+              <a:rPr lang="en-US" altLang="nl-NL" dirty="0" err="1" smtClean="0"/>
+              <a:t>etc</a:t>
+            </a:r>
+            <a:r>
+              <a:rPr lang="en-US" altLang="nl-NL" dirty="0" smtClean="0"/>
+              <a:t>…)</a:t>
+            </a:r>
+          </a:p>
+          <a:p>
+            <a:pPr marL="0" lvl="1" indent="0">
+              <a:buNone/>
+            </a:pPr>
+            <a:endParaRPr lang="en-US" altLang="nl-NL" dirty="0" smtClean="0"/>
+          </a:p>
+          <a:p>
+            <a:pPr marL="342900" lvl="1" indent="-342900"/>
+            <a:endParaRPr lang="en-US" altLang="nl-NL" dirty="0" smtClean="0"/>
           </a:p>
         </p:txBody>
       </p:sp>
